--- a/f_docs/Презентация.pptx
+++ b/f_docs/Презентация.pptx
@@ -5,7 +5,7 @@
     <p:sldMasterId id="2147483684" r:id="rId1"/>
   </p:sldMasterIdLst>
   <p:notesMasterIdLst>
-    <p:notesMasterId r:id="rId13"/>
+    <p:notesMasterId r:id="rId14"/>
   </p:notesMasterIdLst>
   <p:sldIdLst>
     <p:sldId id="256" r:id="rId2"/>
@@ -17,8 +17,9 @@
     <p:sldId id="262" r:id="rId8"/>
     <p:sldId id="263" r:id="rId9"/>
     <p:sldId id="264" r:id="rId10"/>
-    <p:sldId id="265" r:id="rId11"/>
-    <p:sldId id="266" r:id="rId12"/>
+    <p:sldId id="267" r:id="rId11"/>
+    <p:sldId id="265" r:id="rId12"/>
+    <p:sldId id="266" r:id="rId13"/>
   </p:sldIdLst>
   <p:sldSz cx="12192000" cy="6858000"/>
   <p:notesSz cx="6858000" cy="9144000"/>
@@ -165,7 +166,7 @@
           </c:marker>
           <c:cat>
             <c:numRef>
-              <c:f>Лист1!$J$2:$N$2</c:f>
+              <c:f>Лист1!$J$3:$N$3</c:f>
               <c:numCache>
                 <c:formatCode>0.0</c:formatCode>
                 <c:ptCount val="5"/>
@@ -189,24 +190,24 @@
           </c:cat>
           <c:val>
             <c:numRef>
-              <c:f>Лист1!$J$3:$N$3</c:f>
+              <c:f>Лист1!$J$4:$N$4</c:f>
               <c:numCache>
                 <c:formatCode>0.000000000E+00</c:formatCode>
                 <c:ptCount val="5"/>
                 <c:pt idx="0">
-                  <c:v>4.6300680640000006E-8</c:v>
+                  <c:v>4.6300680640000003E-5</c:v>
                 </c:pt>
                 <c:pt idx="1">
-                  <c:v>4.0828182669999996E-8</c:v>
+                  <c:v>4.0828182669999999E-5</c:v>
                 </c:pt>
                 <c:pt idx="2">
-                  <c:v>3.746803294E-8</c:v>
+                  <c:v>3.7468032939999999E-5</c:v>
                 </c:pt>
                 <c:pt idx="3">
-                  <c:v>3.4489263900000002E-8</c:v>
+                  <c:v>3.4489263899999999E-5</c:v>
                 </c:pt>
                 <c:pt idx="4">
-                  <c:v>3.20448905E-8</c:v>
+                  <c:v>3.2044890499999999E-5</c:v>
                 </c:pt>
               </c:numCache>
             </c:numRef>
@@ -214,7 +215,7 @@
           <c:smooth val="0"/>
           <c:extLst>
             <c:ext xmlns:c16="http://schemas.microsoft.com/office/drawing/2014/chart" uri="{C3380CC4-5D6E-409C-BE32-E72D297353CC}">
-              <c16:uniqueId val="{00000000-0ACC-4027-AB39-73B2C4A6CB52}"/>
+              <c16:uniqueId val="{00000000-2573-42B5-9514-E8EBB445C234}"/>
             </c:ext>
           </c:extLst>
         </c:ser>
@@ -238,7 +239,7 @@
           </c:marker>
           <c:cat>
             <c:numRef>
-              <c:f>Лист1!$J$2:$N$2</c:f>
+              <c:f>Лист1!$J$3:$N$3</c:f>
               <c:numCache>
                 <c:formatCode>0.0</c:formatCode>
                 <c:ptCount val="5"/>
@@ -262,24 +263,24 @@
           </c:cat>
           <c:val>
             <c:numRef>
-              <c:f>Лист1!$J$8:$N$8</c:f>
+              <c:f>Лист1!$J$9:$N$9</c:f>
               <c:numCache>
                 <c:formatCode>0.000000000E+00</c:formatCode>
                 <c:ptCount val="5"/>
                 <c:pt idx="0">
-                  <c:v>4.5761254329999996E-8</c:v>
+                  <c:v>4.5761254329999997E-5</c:v>
                 </c:pt>
                 <c:pt idx="1">
-                  <c:v>3.9964900870000003E-8</c:v>
+                  <c:v>3.9964900870000003E-5</c:v>
                 </c:pt>
                 <c:pt idx="2">
-                  <c:v>3.6425990510000002E-8</c:v>
+                  <c:v>3.642599051E-5</c:v>
                 </c:pt>
                 <c:pt idx="3">
-                  <c:v>3.3354694880000004E-8</c:v>
+                  <c:v>3.3354694880000003E-5</c:v>
                 </c:pt>
                 <c:pt idx="4">
-                  <c:v>3.1010502839999999E-8</c:v>
+                  <c:v>3.1010502840000002E-5</c:v>
                 </c:pt>
               </c:numCache>
             </c:numRef>
@@ -287,7 +288,7 @@
           <c:smooth val="0"/>
           <c:extLst>
             <c:ext xmlns:c16="http://schemas.microsoft.com/office/drawing/2014/chart" uri="{C3380CC4-5D6E-409C-BE32-E72D297353CC}">
-              <c16:uniqueId val="{00000001-0ACC-4027-AB39-73B2C4A6CB52}"/>
+              <c16:uniqueId val="{00000001-2573-42B5-9514-E8EBB445C234}"/>
             </c:ext>
           </c:extLst>
         </c:ser>
@@ -328,7 +329,7 @@
                     <c:extLst>
                       <c:ext uri="{02D57815-91ED-43cb-92C2-25804820EDAC}">
                         <c15:formulaRef>
-                          <c15:sqref>Лист1!$J$2:$N$2</c15:sqref>
+                          <c15:sqref>Лист1!$J$3:$N$3</c15:sqref>
                         </c15:formulaRef>
                       </c:ext>
                     </c:extLst>
@@ -358,7 +359,7 @@
                     <c:extLst>
                       <c:ext uri="{02D57815-91ED-43cb-92C2-25804820EDAC}">
                         <c15:formulaRef>
-                          <c15:sqref>Лист1!$J$4:$N$4</c15:sqref>
+                          <c15:sqref>Лист1!$J$5:$N$5</c15:sqref>
                         </c15:formulaRef>
                       </c:ext>
                     </c:extLst>
@@ -366,19 +367,19 @@
                       <c:formatCode>0.000000000E+00</c:formatCode>
                       <c:ptCount val="5"/>
                       <c:pt idx="0">
-                        <c:v>4.626535683E-8</c:v>
+                        <c:v>4.6265356830000001E-5</c:v>
                       </c:pt>
                       <c:pt idx="1">
-                        <c:v>4.0757669150000003E-8</c:v>
+                        <c:v>4.075766915E-5</c:v>
                       </c:pt>
                       <c:pt idx="2">
-                        <c:v>3.7393265840000004E-8</c:v>
+                        <c:v>3.7393265840000003E-5</c:v>
                       </c:pt>
                       <c:pt idx="3">
-                        <c:v>3.441084986E-8</c:v>
+                        <c:v>3.4410849859999998E-5</c:v>
                       </c:pt>
                       <c:pt idx="4">
-                        <c:v>3.1947349949999996E-8</c:v>
+                        <c:v>3.1947349949999999E-5</c:v>
                       </c:pt>
                     </c:numCache>
                   </c:numRef>
@@ -386,7 +387,7 @@
                 <c:smooth val="0"/>
                 <c:extLst>
                   <c:ext xmlns:c16="http://schemas.microsoft.com/office/drawing/2014/chart" uri="{C3380CC4-5D6E-409C-BE32-E72D297353CC}">
-                    <c16:uniqueId val="{00000002-0ACC-4027-AB39-73B2C4A6CB52}"/>
+                    <c16:uniqueId val="{00000002-2573-42B5-9514-E8EBB445C234}"/>
                   </c:ext>
                 </c:extLst>
               </c15:ser>
@@ -415,94 +416,7 @@
                     <c:extLst xmlns:c15="http://schemas.microsoft.com/office/drawing/2012/chart">
                       <c:ext xmlns:c15="http://schemas.microsoft.com/office/drawing/2012/chart" uri="{02D57815-91ED-43cb-92C2-25804820EDAC}">
                         <c15:formulaRef>
-                          <c15:sqref>Лист1!$J$2:$N$2</c15:sqref>
-                        </c15:formulaRef>
-                      </c:ext>
-                    </c:extLst>
-                    <c:numCache>
-                      <c:formatCode>0.0</c:formatCode>
-                      <c:ptCount val="5"/>
-                      <c:pt idx="0">
-                        <c:v>0.1</c:v>
-                      </c:pt>
-                      <c:pt idx="1">
-                        <c:v>0.2</c:v>
-                      </c:pt>
-                      <c:pt idx="2">
-                        <c:v>0.3</c:v>
-                      </c:pt>
-                      <c:pt idx="3">
-                        <c:v>0.4</c:v>
-                      </c:pt>
-                      <c:pt idx="4">
-                        <c:v>0.5</c:v>
-                      </c:pt>
-                    </c:numCache>
-                  </c:numRef>
-                </c:cat>
-                <c:val>
-                  <c:numRef>
-                    <c:extLst xmlns:c15="http://schemas.microsoft.com/office/drawing/2012/chart">
-                      <c:ext xmlns:c15="http://schemas.microsoft.com/office/drawing/2012/chart" uri="{02D57815-91ED-43cb-92C2-25804820EDAC}">
-                        <c15:formulaRef>
-                          <c15:sqref>Лист1!$J$5:$N$5</c15:sqref>
-                        </c15:formulaRef>
-                      </c:ext>
-                    </c:extLst>
-                    <c:numCache>
-                      <c:formatCode>0.000000000E+00</c:formatCode>
-                      <c:ptCount val="5"/>
-                      <c:pt idx="0">
-                        <c:v>4.6167218420000006E-8</c:v>
-                      </c:pt>
-                      <c:pt idx="1">
-                        <c:v>4.0611441280000006E-8</c:v>
-                      </c:pt>
-                      <c:pt idx="2">
-                        <c:v>3.7200057789999999E-8</c:v>
-                      </c:pt>
-                      <c:pt idx="3">
-                        <c:v>3.4189056510000001E-8</c:v>
-                      </c:pt>
-                      <c:pt idx="4">
-                        <c:v>3.173071354E-8</c:v>
-                      </c:pt>
-                    </c:numCache>
-                  </c:numRef>
-                </c:val>
-                <c:smooth val="0"/>
-                <c:extLst xmlns:c15="http://schemas.microsoft.com/office/drawing/2012/chart">
-                  <c:ext xmlns:c16="http://schemas.microsoft.com/office/drawing/2014/chart" uri="{C3380CC4-5D6E-409C-BE32-E72D297353CC}">
-                    <c16:uniqueId val="{00000003-0ACC-4027-AB39-73B2C4A6CB52}"/>
-                  </c:ext>
-                </c:extLst>
-              </c15:ser>
-            </c15:filteredLineSeries>
-            <c15:filteredLineSeries>
-              <c15:ser>
-                <c:idx val="3"/>
-                <c:order val="3"/>
-                <c:tx>
-                  <c:v>kd=0.3</c:v>
-                </c:tx>
-                <c:spPr>
-                  <a:ln w="28575" cap="rnd">
-                    <a:solidFill>
-                      <a:schemeClr val="accent4"/>
-                    </a:solidFill>
-                    <a:round/>
-                  </a:ln>
-                  <a:effectLst/>
-                </c:spPr>
-                <c:marker>
-                  <c:symbol val="none"/>
-                </c:marker>
-                <c:cat>
-                  <c:numRef>
-                    <c:extLst xmlns:c15="http://schemas.microsoft.com/office/drawing/2012/chart">
-                      <c:ext xmlns:c15="http://schemas.microsoft.com/office/drawing/2012/chart" uri="{02D57815-91ED-43cb-92C2-25804820EDAC}">
-                        <c15:formulaRef>
-                          <c15:sqref>Лист1!$J$2:$N$2</c15:sqref>
+                          <c15:sqref>Лист1!$J$3:$N$3</c15:sqref>
                         </c15:formulaRef>
                       </c:ext>
                     </c:extLst>
@@ -540,19 +454,19 @@
                       <c:formatCode>0.000000000E+00</c:formatCode>
                       <c:ptCount val="5"/>
                       <c:pt idx="0">
-                        <c:v>4.6026038230000001E-8</c:v>
+                        <c:v>4.6167218420000003E-5</c:v>
                       </c:pt>
                       <c:pt idx="1">
-                        <c:v>4.0397300870000005E-8</c:v>
+                        <c:v>4.0611441280000003E-5</c:v>
                       </c:pt>
                       <c:pt idx="2">
-                        <c:v>3.6948894710000005E-8</c:v>
+                        <c:v>3.7200057790000002E-5</c:v>
                       </c:pt>
                       <c:pt idx="3">
-                        <c:v>3.3914951550000003E-8</c:v>
+                        <c:v>3.4189056510000002E-5</c:v>
                       </c:pt>
                       <c:pt idx="4">
-                        <c:v>3.1469292649999997E-8</c:v>
+                        <c:v>3.1730713539999997E-5</c:v>
                       </c:pt>
                     </c:numCache>
                   </c:numRef>
@@ -560,22 +474,22 @@
                 <c:smooth val="0"/>
                 <c:extLst xmlns:c15="http://schemas.microsoft.com/office/drawing/2012/chart">
                   <c:ext xmlns:c16="http://schemas.microsoft.com/office/drawing/2014/chart" uri="{C3380CC4-5D6E-409C-BE32-E72D297353CC}">
-                    <c16:uniqueId val="{00000004-0ACC-4027-AB39-73B2C4A6CB52}"/>
+                    <c16:uniqueId val="{00000003-2573-42B5-9514-E8EBB445C234}"/>
                   </c:ext>
                 </c:extLst>
               </c15:ser>
             </c15:filteredLineSeries>
             <c15:filteredLineSeries>
               <c15:ser>
-                <c:idx val="4"/>
-                <c:order val="4"/>
+                <c:idx val="3"/>
+                <c:order val="3"/>
                 <c:tx>
-                  <c:v>kd=0.4</c:v>
+                  <c:v>kd=0.3</c:v>
                 </c:tx>
                 <c:spPr>
                   <a:ln w="28575" cap="rnd">
                     <a:solidFill>
-                      <a:schemeClr val="accent5"/>
+                      <a:schemeClr val="accent4"/>
                     </a:solidFill>
                     <a:round/>
                   </a:ln>
@@ -589,7 +503,7 @@
                     <c:extLst xmlns:c15="http://schemas.microsoft.com/office/drawing/2012/chart">
                       <c:ext xmlns:c15="http://schemas.microsoft.com/office/drawing/2012/chart" uri="{02D57815-91ED-43cb-92C2-25804820EDAC}">
                         <c15:formulaRef>
-                          <c15:sqref>Лист1!$J$2:$N$2</c15:sqref>
+                          <c15:sqref>Лист1!$J$3:$N$3</c15:sqref>
                         </c15:formulaRef>
                       </c:ext>
                     </c:extLst>
@@ -627,19 +541,19 @@
                       <c:formatCode>0.000000000E+00</c:formatCode>
                       <c:ptCount val="5"/>
                       <c:pt idx="0">
-                        <c:v>4.5893871679999998E-8</c:v>
+                        <c:v>4.6026038229999999E-5</c:v>
                       </c:pt>
                       <c:pt idx="1">
-                        <c:v>4.0181695959999998E-8</c:v>
+                        <c:v>4.0397300870000002E-5</c:v>
                       </c:pt>
                       <c:pt idx="2">
-                        <c:v>3.6691735629999998E-8</c:v>
+                        <c:v>3.6948894710000003E-5</c:v>
                       </c:pt>
                       <c:pt idx="3">
-                        <c:v>3.3628515550000003E-8</c:v>
+                        <c:v>3.3914951550000003E-5</c:v>
                       </c:pt>
                       <c:pt idx="4">
-                        <c:v>3.1224560929999999E-8</c:v>
+                        <c:v>3.1469292649999997E-5</c:v>
                       </c:pt>
                     </c:numCache>
                   </c:numRef>
@@ -647,7 +561,94 @@
                 <c:smooth val="0"/>
                 <c:extLst xmlns:c15="http://schemas.microsoft.com/office/drawing/2012/chart">
                   <c:ext xmlns:c16="http://schemas.microsoft.com/office/drawing/2014/chart" uri="{C3380CC4-5D6E-409C-BE32-E72D297353CC}">
-                    <c16:uniqueId val="{00000005-0ACC-4027-AB39-73B2C4A6CB52}"/>
+                    <c16:uniqueId val="{00000004-2573-42B5-9514-E8EBB445C234}"/>
+                  </c:ext>
+                </c:extLst>
+              </c15:ser>
+            </c15:filteredLineSeries>
+            <c15:filteredLineSeries>
+              <c15:ser>
+                <c:idx val="4"/>
+                <c:order val="4"/>
+                <c:tx>
+                  <c:v>kd=0.4</c:v>
+                </c:tx>
+                <c:spPr>
+                  <a:ln w="28575" cap="rnd">
+                    <a:solidFill>
+                      <a:schemeClr val="accent5"/>
+                    </a:solidFill>
+                    <a:round/>
+                  </a:ln>
+                  <a:effectLst/>
+                </c:spPr>
+                <c:marker>
+                  <c:symbol val="none"/>
+                </c:marker>
+                <c:cat>
+                  <c:numRef>
+                    <c:extLst xmlns:c15="http://schemas.microsoft.com/office/drawing/2012/chart">
+                      <c:ext xmlns:c15="http://schemas.microsoft.com/office/drawing/2012/chart" uri="{02D57815-91ED-43cb-92C2-25804820EDAC}">
+                        <c15:formulaRef>
+                          <c15:sqref>Лист1!$J$3:$N$3</c15:sqref>
+                        </c15:formulaRef>
+                      </c:ext>
+                    </c:extLst>
+                    <c:numCache>
+                      <c:formatCode>0.0</c:formatCode>
+                      <c:ptCount val="5"/>
+                      <c:pt idx="0">
+                        <c:v>0.1</c:v>
+                      </c:pt>
+                      <c:pt idx="1">
+                        <c:v>0.2</c:v>
+                      </c:pt>
+                      <c:pt idx="2">
+                        <c:v>0.3</c:v>
+                      </c:pt>
+                      <c:pt idx="3">
+                        <c:v>0.4</c:v>
+                      </c:pt>
+                      <c:pt idx="4">
+                        <c:v>0.5</c:v>
+                      </c:pt>
+                    </c:numCache>
+                  </c:numRef>
+                </c:cat>
+                <c:val>
+                  <c:numRef>
+                    <c:extLst xmlns:c15="http://schemas.microsoft.com/office/drawing/2012/chart">
+                      <c:ext xmlns:c15="http://schemas.microsoft.com/office/drawing/2012/chart" uri="{02D57815-91ED-43cb-92C2-25804820EDAC}">
+                        <c15:formulaRef>
+                          <c15:sqref>Лист1!$J$8:$N$8</c15:sqref>
+                        </c15:formulaRef>
+                      </c:ext>
+                    </c:extLst>
+                    <c:numCache>
+                      <c:formatCode>0.000000000E+00</c:formatCode>
+                      <c:ptCount val="5"/>
+                      <c:pt idx="0">
+                        <c:v>4.589387168E-5</c:v>
+                      </c:pt>
+                      <c:pt idx="1">
+                        <c:v>4.0181695959999998E-5</c:v>
+                      </c:pt>
+                      <c:pt idx="2">
+                        <c:v>3.6691735630000001E-5</c:v>
+                      </c:pt>
+                      <c:pt idx="3">
+                        <c:v>3.362851555E-5</c:v>
+                      </c:pt>
+                      <c:pt idx="4">
+                        <c:v>3.1224560929999997E-5</c:v>
+                      </c:pt>
+                    </c:numCache>
+                  </c:numRef>
+                </c:val>
+                <c:smooth val="0"/>
+                <c:extLst xmlns:c15="http://schemas.microsoft.com/office/drawing/2012/chart">
+                  <c:ext xmlns:c16="http://schemas.microsoft.com/office/drawing/2014/chart" uri="{C3380CC4-5D6E-409C-BE32-E72D297353CC}">
+                    <c16:uniqueId val="{00000005-2573-42B5-9514-E8EBB445C234}"/>
                   </c:ext>
                 </c:extLst>
               </c15:ser>
@@ -765,6 +766,7 @@
         <c:axId val="653003648"/>
         <c:scaling>
           <c:orientation val="minMax"/>
+          <c:min val="2.0000000000000008E-5"/>
         </c:scaling>
         <c:delete val="0"/>
         <c:axPos val="l"/>
@@ -810,7 +812,7 @@
                       </a:sysClr>
                     </a:solidFill>
                   </a:rPr>
-                  <a:t>Скорость потока (м</a:t>
+                  <a:t>Скорость потока (мм</a:t>
                 </a:r>
                 <a:r>
                   <a:rPr lang="en-US" sz="1000" b="1" i="0" u="none" strike="noStrike" kern="1200" baseline="0">
@@ -832,8 +834,27 @@
                       </a:sysClr>
                     </a:solidFill>
                   </a:rPr>
-                  <a:t>с)</a:t>
+                  <a:t>с</a:t>
                 </a:r>
+                <a:r>
+                  <a:rPr lang="en-US" sz="1000" b="1" i="0" u="none" strike="noStrike" kern="1200" baseline="0">
+                    <a:solidFill>
+                      <a:sysClr val="windowText" lastClr="000000">
+                        <a:lumMod val="65000"/>
+                        <a:lumOff val="35000"/>
+                      </a:sysClr>
+                    </a:solidFill>
+                  </a:rPr>
+                  <a:t>)</a:t>
+                </a:r>
+                <a:endParaRPr lang="ru-RU" sz="1000" b="1" i="0" u="none" strike="noStrike" kern="1200" baseline="0">
+                  <a:solidFill>
+                    <a:sysClr val="windowText" lastClr="000000">
+                      <a:lumMod val="65000"/>
+                      <a:lumOff val="35000"/>
+                    </a:sysClr>
+                  </a:solidFill>
+                </a:endParaRPr>
               </a:p>
             </c:rich>
           </c:tx>
@@ -866,7 +887,7 @@
             </a:p>
           </c:txPr>
         </c:title>
-        <c:numFmt formatCode="0.000000000E+00" sourceLinked="1"/>
+        <c:numFmt formatCode="0.000E+00" sourceLinked="0"/>
         <c:majorTickMark val="none"/>
         <c:minorTickMark val="none"/>
         <c:tickLblPos val="nextTo"/>
@@ -1014,7 +1035,7 @@
           </c:marker>
           <c:cat>
             <c:numRef>
-              <c:f>Лист1!$A$30:$F$30</c:f>
+              <c:f>Лист1!$A$31:$F$31</c:f>
               <c:numCache>
                 <c:formatCode>0.0</c:formatCode>
                 <c:ptCount val="6"/>
@@ -1041,27 +1062,27 @@
           </c:cat>
           <c:val>
             <c:numRef>
-              <c:f>Лист1!$A$5:$F$5</c:f>
+              <c:f>Лист1!$A$6:$F$6</c:f>
               <c:numCache>
                 <c:formatCode>0.000000000E+00</c:formatCode>
                 <c:ptCount val="6"/>
                 <c:pt idx="0">
-                  <c:v>3.20448905E-8</c:v>
+                  <c:v>1.6543784423082291</c:v>
                 </c:pt>
                 <c:pt idx="1">
-                  <c:v>3.1947349949999996E-8</c:v>
+                  <c:v>1.659429533663958</c:v>
                 </c:pt>
                 <c:pt idx="2">
-                  <c:v>3.173071354E-8</c:v>
+                  <c:v>1.6707590253997096</c:v>
                 </c:pt>
                 <c:pt idx="3">
-                  <c:v>3.1469292649999997E-8</c:v>
+                  <c:v>1.6846383113516779</c:v>
                 </c:pt>
                 <c:pt idx="4">
-                  <c:v>3.1224560929999999E-8</c:v>
+                  <c:v>1.6978421617577495</c:v>
                 </c:pt>
                 <c:pt idx="5">
-                  <c:v>3.1010502839999999E-8</c:v>
+                  <c:v>1.7095619604382966</c:v>
                 </c:pt>
               </c:numCache>
             </c:numRef>
@@ -1069,7 +1090,7 @@
           <c:smooth val="0"/>
           <c:extLst>
             <c:ext xmlns:c16="http://schemas.microsoft.com/office/drawing/2014/chart" uri="{C3380CC4-5D6E-409C-BE32-E72D297353CC}">
-              <c16:uniqueId val="{00000000-85D1-4404-A916-6B024B23D836}"/>
+              <c16:uniqueId val="{00000000-FC89-4C1D-AA69-9E308AB72D40}"/>
             </c:ext>
           </c:extLst>
         </c:ser>
@@ -1093,7 +1114,7 @@
           </c:marker>
           <c:cat>
             <c:numRef>
-              <c:f>Лист1!$A$30:$F$30</c:f>
+              <c:f>Лист1!$A$31:$F$31</c:f>
               <c:numCache>
                 <c:formatCode>0.0</c:formatCode>
                 <c:ptCount val="6"/>
@@ -1120,27 +1141,27 @@
           </c:cat>
           <c:val>
             <c:numRef>
-              <c:f>Лист1!$A$19:$F$19</c:f>
+              <c:f>Лист1!$A$20:$F$20</c:f>
               <c:numCache>
                 <c:formatCode>0.000000000E+00</c:formatCode>
                 <c:ptCount val="6"/>
                 <c:pt idx="0">
-                  <c:v>3.746803294E-8</c:v>
+                  <c:v>1.4149228520809496</c:v>
                 </c:pt>
                 <c:pt idx="1">
-                  <c:v>3.7393265840000004E-8</c:v>
+                  <c:v>1.417751962510257</c:v>
                 </c:pt>
                 <c:pt idx="2">
-                  <c:v>3.7200057789999999E-8</c:v>
+                  <c:v>1.4251154212878376</c:v>
                 </c:pt>
                 <c:pt idx="3">
-                  <c:v>3.6948894710000005E-8</c:v>
+                  <c:v>1.4348027578475773</c:v>
                 </c:pt>
                 <c:pt idx="4">
-                  <c:v>3.6691735629999998E-8</c:v>
+                  <c:v>1.4448587704851443</c:v>
                 </c:pt>
                 <c:pt idx="5">
-                  <c:v>3.6425990510000002E-8</c:v>
+                  <c:v>1.4553997101265856</c:v>
                 </c:pt>
               </c:numCache>
             </c:numRef>
@@ -1148,7 +1169,7 @@
           <c:smooth val="0"/>
           <c:extLst>
             <c:ext xmlns:c16="http://schemas.microsoft.com/office/drawing/2014/chart" uri="{C3380CC4-5D6E-409C-BE32-E72D297353CC}">
-              <c16:uniqueId val="{00000001-85D1-4404-A916-6B024B23D836}"/>
+              <c16:uniqueId val="{00000001-FC89-4C1D-AA69-9E308AB72D40}"/>
             </c:ext>
           </c:extLst>
         </c:ser>
@@ -1172,7 +1193,7 @@
           </c:marker>
           <c:cat>
             <c:numRef>
-              <c:f>Лист1!$A$30:$F$30</c:f>
+              <c:f>Лист1!$A$31:$F$31</c:f>
               <c:numCache>
                 <c:formatCode>0.0</c:formatCode>
                 <c:ptCount val="6"/>
@@ -1199,27 +1220,27 @@
           </c:cat>
           <c:val>
             <c:numRef>
-              <c:f>Лист1!$A$33:$F$33</c:f>
+              <c:f>Лист1!$A$34:$F$34</c:f>
               <c:numCache>
                 <c:formatCode>0.000000000E+00</c:formatCode>
                 <c:ptCount val="6"/>
                 <c:pt idx="0">
-                  <c:v>4.6300680640000006E-8</c:v>
+                  <c:v>1.1450020884472201</c:v>
                 </c:pt>
                 <c:pt idx="1">
-                  <c:v>4.626535683E-8</c:v>
+                  <c:v>1.1458763027404444</c:v>
                 </c:pt>
                 <c:pt idx="2">
-                  <c:v>4.6167218420000006E-8</c:v>
+                  <c:v>1.1483121107067069</c:v>
                 </c:pt>
                 <c:pt idx="3">
-                  <c:v>4.6026038230000001E-8</c:v>
+                  <c:v>1.1518344412874697</c:v>
                 </c:pt>
                 <c:pt idx="4">
-                  <c:v>4.5893871679999998E-8</c:v>
+                  <c:v>1.1551515287046656</c:v>
                 </c:pt>
                 <c:pt idx="5">
-                  <c:v>4.5761254329999996E-8</c:v>
+                  <c:v>1.1584991890087417</c:v>
                 </c:pt>
               </c:numCache>
             </c:numRef>
@@ -1227,7 +1248,7 @@
           <c:smooth val="0"/>
           <c:extLst>
             <c:ext xmlns:c16="http://schemas.microsoft.com/office/drawing/2014/chart" uri="{C3380CC4-5D6E-409C-BE32-E72D297353CC}">
-              <c16:uniqueId val="{00000002-85D1-4404-A916-6B024B23D836}"/>
+              <c16:uniqueId val="{00000002-FC89-4C1D-AA69-9E308AB72D40}"/>
             </c:ext>
           </c:extLst>
         </c:ser>
@@ -1373,7 +1394,8 @@
         <c:axId val="444031216"/>
         <c:scaling>
           <c:orientation val="minMax"/>
-          <c:max val="5.0000000000000024E-8"/>
+          <c:max val="2"/>
+          <c:min val="1"/>
         </c:scaling>
         <c:delete val="0"/>
         <c:axPos val="l"/>
@@ -1411,17 +1433,26 @@
                   </a:defRPr>
                 </a:pPr>
                 <a:r>
-                  <a:rPr lang="ru-RU" b="1"/>
-                  <a:t>Скорость потока (м</a:t>
+                  <a:rPr lang="ru-RU" b="1" dirty="0"/>
+                  <a:t>Эффективная вязкость </a:t>
                 </a:r>
                 <a:r>
-                  <a:rPr lang="en-US" b="1"/>
-                  <a:t>/</a:t>
+                  <a:rPr lang="en-US" b="1" dirty="0"/>
+                  <a:t>(Pa</a:t>
                 </a:r>
                 <a:r>
-                  <a:rPr lang="ru-RU" b="1"/>
-                  <a:t>с)</a:t>
+                  <a:rPr lang="en-US" b="1" baseline="0" dirty="0"/>
+                  <a:t> * </a:t>
                 </a:r>
+                <a:r>
+                  <a:rPr lang="ru-RU" b="1" baseline="0" dirty="0"/>
+                  <a:t>с</a:t>
+                </a:r>
+                <a:r>
+                  <a:rPr lang="en-US" b="1" baseline="0" dirty="0"/>
+                  <a:t>)</a:t>
+                </a:r>
+                <a:endParaRPr lang="ru-RU" b="1" dirty="0"/>
               </a:p>
             </c:rich>
           </c:tx>
@@ -1490,7 +1521,7 @@
         <c:crossAx val="444040336"/>
         <c:crosses val="autoZero"/>
         <c:crossBetween val="between"/>
-        <c:majorUnit val="5.0000000000000026E-9"/>
+        <c:majorUnit val="0.1"/>
       </c:valAx>
       <c:spPr>
         <a:noFill/>
@@ -1601,23 +1632,11 @@
             <a:effectLst/>
           </c:spPr>
           <c:marker>
-            <c:symbol val="circle"/>
-            <c:size val="5"/>
-            <c:spPr>
-              <a:solidFill>
-                <a:schemeClr val="accent1"/>
-              </a:solidFill>
-              <a:ln w="9525">
-                <a:solidFill>
-                  <a:schemeClr val="accent1"/>
-                </a:solidFill>
-              </a:ln>
-              <a:effectLst/>
-            </c:spPr>
+            <c:symbol val="none"/>
           </c:marker>
           <c:cat>
             <c:numRef>
-              <c:f>Лист1!$A$30:$F$30</c:f>
+              <c:f>Лист1!$A$31:$F$31</c:f>
               <c:numCache>
                 <c:formatCode>0.0</c:formatCode>
                 <c:ptCount val="6"/>
@@ -1644,7 +1663,651 @@
           </c:cat>
           <c:val>
             <c:numRef>
-              <c:f>Лист1!$A$6:$F$6</c:f>
+              <c:f>Лист1!$A$4:$F$4</c:f>
+              <c:numCache>
+                <c:formatCode>0.000000000E+00</c:formatCode>
+                <c:ptCount val="6"/>
+                <c:pt idx="0">
+                  <c:v>3.2044890499999999E-5</c:v>
+                </c:pt>
+                <c:pt idx="1">
+                  <c:v>3.1947349949999999E-5</c:v>
+                </c:pt>
+                <c:pt idx="2">
+                  <c:v>3.1730713539999997E-5</c:v>
+                </c:pt>
+                <c:pt idx="3">
+                  <c:v>3.1469292649999997E-5</c:v>
+                </c:pt>
+                <c:pt idx="4">
+                  <c:v>3.1224560929999997E-5</c:v>
+                </c:pt>
+                <c:pt idx="5">
+                  <c:v>3.1010502840000002E-5</c:v>
+                </c:pt>
+              </c:numCache>
+            </c:numRef>
+          </c:val>
+          <c:smooth val="0"/>
+          <c:extLst>
+            <c:ext xmlns:c16="http://schemas.microsoft.com/office/drawing/2014/chart" uri="{C3380CC4-5D6E-409C-BE32-E72D297353CC}">
+              <c16:uniqueId val="{00000000-3395-42FC-A1CD-A409A011F5B5}"/>
+            </c:ext>
+          </c:extLst>
+        </c:ser>
+        <c:ser>
+          <c:idx val="1"/>
+          <c:order val="1"/>
+          <c:tx>
+            <c:v>H = 0,3</c:v>
+          </c:tx>
+          <c:spPr>
+            <a:ln w="28575" cap="rnd">
+              <a:solidFill>
+                <a:schemeClr val="accent2"/>
+              </a:solidFill>
+              <a:round/>
+            </a:ln>
+            <a:effectLst/>
+          </c:spPr>
+          <c:marker>
+            <c:symbol val="none"/>
+          </c:marker>
+          <c:cat>
+            <c:numRef>
+              <c:f>Лист1!$A$31:$F$31</c:f>
+              <c:numCache>
+                <c:formatCode>0.0</c:formatCode>
+                <c:ptCount val="6"/>
+                <c:pt idx="0">
+                  <c:v>0</c:v>
+                </c:pt>
+                <c:pt idx="1">
+                  <c:v>0.1</c:v>
+                </c:pt>
+                <c:pt idx="2">
+                  <c:v>0.2</c:v>
+                </c:pt>
+                <c:pt idx="3">
+                  <c:v>0.3</c:v>
+                </c:pt>
+                <c:pt idx="4">
+                  <c:v>0.4</c:v>
+                </c:pt>
+                <c:pt idx="5">
+                  <c:v>0.5</c:v>
+                </c:pt>
+              </c:numCache>
+            </c:numRef>
+          </c:cat>
+          <c:val>
+            <c:numRef>
+              <c:f>Лист1!$A$18:$F$18</c:f>
+              <c:numCache>
+                <c:formatCode>0.000000000E+00</c:formatCode>
+                <c:ptCount val="6"/>
+                <c:pt idx="0">
+                  <c:v>3.7468032939999999E-5</c:v>
+                </c:pt>
+                <c:pt idx="1">
+                  <c:v>3.7393265840000003E-5</c:v>
+                </c:pt>
+                <c:pt idx="2">
+                  <c:v>3.7200057790000002E-5</c:v>
+                </c:pt>
+                <c:pt idx="3">
+                  <c:v>3.6948894710000003E-5</c:v>
+                </c:pt>
+                <c:pt idx="4">
+                  <c:v>3.6691735630000001E-5</c:v>
+                </c:pt>
+                <c:pt idx="5">
+                  <c:v>3.642599051E-5</c:v>
+                </c:pt>
+              </c:numCache>
+            </c:numRef>
+          </c:val>
+          <c:smooth val="0"/>
+          <c:extLst>
+            <c:ext xmlns:c16="http://schemas.microsoft.com/office/drawing/2014/chart" uri="{C3380CC4-5D6E-409C-BE32-E72D297353CC}">
+              <c16:uniqueId val="{00000001-3395-42FC-A1CD-A409A011F5B5}"/>
+            </c:ext>
+          </c:extLst>
+        </c:ser>
+        <c:ser>
+          <c:idx val="2"/>
+          <c:order val="2"/>
+          <c:tx>
+            <c:v>H = 0,1</c:v>
+          </c:tx>
+          <c:spPr>
+            <a:ln w="28575" cap="rnd">
+              <a:solidFill>
+                <a:schemeClr val="accent3"/>
+              </a:solidFill>
+              <a:round/>
+            </a:ln>
+            <a:effectLst/>
+          </c:spPr>
+          <c:marker>
+            <c:symbol val="none"/>
+          </c:marker>
+          <c:cat>
+            <c:numRef>
+              <c:f>Лист1!$A$31:$F$31</c:f>
+              <c:numCache>
+                <c:formatCode>0.0</c:formatCode>
+                <c:ptCount val="6"/>
+                <c:pt idx="0">
+                  <c:v>0</c:v>
+                </c:pt>
+                <c:pt idx="1">
+                  <c:v>0.1</c:v>
+                </c:pt>
+                <c:pt idx="2">
+                  <c:v>0.2</c:v>
+                </c:pt>
+                <c:pt idx="3">
+                  <c:v>0.3</c:v>
+                </c:pt>
+                <c:pt idx="4">
+                  <c:v>0.4</c:v>
+                </c:pt>
+                <c:pt idx="5">
+                  <c:v>0.5</c:v>
+                </c:pt>
+              </c:numCache>
+            </c:numRef>
+          </c:cat>
+          <c:val>
+            <c:numRef>
+              <c:f>Лист1!$A$32:$F$32</c:f>
+              <c:numCache>
+                <c:formatCode>0.000000000E+00</c:formatCode>
+                <c:ptCount val="6"/>
+                <c:pt idx="0">
+                  <c:v>4.6300680640000003E-5</c:v>
+                </c:pt>
+                <c:pt idx="1">
+                  <c:v>4.6265356830000001E-5</c:v>
+                </c:pt>
+                <c:pt idx="2">
+                  <c:v>4.6167218420000003E-5</c:v>
+                </c:pt>
+                <c:pt idx="3">
+                  <c:v>4.6026038229999999E-5</c:v>
+                </c:pt>
+                <c:pt idx="4">
+                  <c:v>4.589387168E-5</c:v>
+                </c:pt>
+                <c:pt idx="5">
+                  <c:v>4.5761254329999997E-5</c:v>
+                </c:pt>
+              </c:numCache>
+            </c:numRef>
+          </c:val>
+          <c:smooth val="0"/>
+          <c:extLst>
+            <c:ext xmlns:c16="http://schemas.microsoft.com/office/drawing/2014/chart" uri="{C3380CC4-5D6E-409C-BE32-E72D297353CC}">
+              <c16:uniqueId val="{00000002-3395-42FC-A1CD-A409A011F5B5}"/>
+            </c:ext>
+          </c:extLst>
+        </c:ser>
+        <c:dLbls>
+          <c:showLegendKey val="0"/>
+          <c:showVal val="0"/>
+          <c:showCatName val="0"/>
+          <c:showSerName val="0"/>
+          <c:showPercent val="0"/>
+          <c:showBubbleSize val="0"/>
+        </c:dLbls>
+        <c:smooth val="0"/>
+        <c:axId val="444040336"/>
+        <c:axId val="444031216"/>
+      </c:lineChart>
+      <c:catAx>
+        <c:axId val="444040336"/>
+        <c:scaling>
+          <c:orientation val="minMax"/>
+        </c:scaling>
+        <c:delete val="0"/>
+        <c:axPos val="b"/>
+        <c:majorGridlines>
+          <c:spPr>
+            <a:ln w="9525" cap="flat" cmpd="sng" algn="ctr">
+              <a:solidFill>
+                <a:schemeClr val="tx1">
+                  <a:lumMod val="15000"/>
+                  <a:lumOff val="85000"/>
+                </a:schemeClr>
+              </a:solidFill>
+              <a:round/>
+            </a:ln>
+            <a:effectLst/>
+          </c:spPr>
+        </c:majorGridlines>
+        <c:title>
+          <c:tx>
+            <c:rich>
+              <a:bodyPr rot="0" spcFirstLastPara="1" vertOverflow="ellipsis" vert="horz" wrap="square" anchor="ctr" anchorCtr="1"/>
+              <a:lstStyle/>
+              <a:p>
+                <a:pPr>
+                  <a:defRPr sz="1000" b="0" i="0" u="none" strike="noStrike" kern="1200" baseline="0">
+                    <a:solidFill>
+                      <a:schemeClr val="tx1">
+                        <a:lumMod val="65000"/>
+                        <a:lumOff val="35000"/>
+                      </a:schemeClr>
+                    </a:solidFill>
+                    <a:latin typeface="+mn-lt"/>
+                    <a:ea typeface="+mn-ea"/>
+                    <a:cs typeface="+mn-cs"/>
+                  </a:defRPr>
+                </a:pPr>
+                <a:r>
+                  <a:rPr lang="ru-RU" b="1"/>
+                  <a:t>Коэффициент</a:t>
+                </a:r>
+                <a:r>
+                  <a:rPr lang="ru-RU" b="1" baseline="0"/>
+                  <a:t> деформации</a:t>
+                </a:r>
+                <a:endParaRPr lang="ru-RU" b="1"/>
+              </a:p>
+            </c:rich>
+          </c:tx>
+          <c:overlay val="0"/>
+          <c:spPr>
+            <a:noFill/>
+            <a:ln>
+              <a:noFill/>
+            </a:ln>
+            <a:effectLst/>
+          </c:spPr>
+          <c:txPr>
+            <a:bodyPr rot="0" spcFirstLastPara="1" vertOverflow="ellipsis" vert="horz" wrap="square" anchor="ctr" anchorCtr="1"/>
+            <a:lstStyle/>
+            <a:p>
+              <a:pPr>
+                <a:defRPr sz="1000" b="0" i="0" u="none" strike="noStrike" kern="1200" baseline="0">
+                  <a:solidFill>
+                    <a:schemeClr val="tx1">
+                      <a:lumMod val="65000"/>
+                      <a:lumOff val="35000"/>
+                    </a:schemeClr>
+                  </a:solidFill>
+                  <a:latin typeface="+mn-lt"/>
+                  <a:ea typeface="+mn-ea"/>
+                  <a:cs typeface="+mn-cs"/>
+                </a:defRPr>
+              </a:pPr>
+              <a:endParaRPr lang="ru-RU"/>
+            </a:p>
+          </c:txPr>
+        </c:title>
+        <c:numFmt formatCode="#,##0.0" sourceLinked="0"/>
+        <c:majorTickMark val="none"/>
+        <c:minorTickMark val="none"/>
+        <c:tickLblPos val="nextTo"/>
+        <c:spPr>
+          <a:noFill/>
+          <a:ln w="9525" cap="flat" cmpd="sng" algn="ctr">
+            <a:solidFill>
+              <a:schemeClr val="tx1">
+                <a:lumMod val="15000"/>
+                <a:lumOff val="85000"/>
+              </a:schemeClr>
+            </a:solidFill>
+            <a:round/>
+          </a:ln>
+          <a:effectLst/>
+        </c:spPr>
+        <c:txPr>
+          <a:bodyPr rot="-60000000" spcFirstLastPara="1" vertOverflow="ellipsis" vert="horz" wrap="square" anchor="ctr" anchorCtr="1"/>
+          <a:lstStyle/>
+          <a:p>
+            <a:pPr>
+              <a:defRPr sz="900" b="0" i="0" u="none" strike="noStrike" kern="1200" baseline="0">
+                <a:solidFill>
+                  <a:schemeClr val="tx1">
+                    <a:lumMod val="65000"/>
+                    <a:lumOff val="35000"/>
+                  </a:schemeClr>
+                </a:solidFill>
+                <a:latin typeface="+mn-lt"/>
+                <a:ea typeface="+mn-ea"/>
+                <a:cs typeface="+mn-cs"/>
+              </a:defRPr>
+            </a:pPr>
+            <a:endParaRPr lang="ru-RU"/>
+          </a:p>
+        </c:txPr>
+        <c:crossAx val="444031216"/>
+        <c:crosses val="autoZero"/>
+        <c:auto val="1"/>
+        <c:lblAlgn val="ctr"/>
+        <c:lblOffset val="100"/>
+        <c:tickMarkSkip val="1"/>
+        <c:noMultiLvlLbl val="0"/>
+      </c:catAx>
+      <c:valAx>
+        <c:axId val="444031216"/>
+        <c:scaling>
+          <c:orientation val="minMax"/>
+          <c:max val="5.0000000000000023E-5"/>
+          <c:min val="0"/>
+        </c:scaling>
+        <c:delete val="0"/>
+        <c:axPos val="l"/>
+        <c:majorGridlines>
+          <c:spPr>
+            <a:ln w="9525" cap="flat" cmpd="sng" algn="ctr">
+              <a:solidFill>
+                <a:schemeClr val="tx1">
+                  <a:lumMod val="15000"/>
+                  <a:lumOff val="85000"/>
+                </a:schemeClr>
+              </a:solidFill>
+              <a:round/>
+            </a:ln>
+            <a:effectLst/>
+          </c:spPr>
+        </c:majorGridlines>
+        <c:title>
+          <c:tx>
+            <c:rich>
+              <a:bodyPr rot="-5400000" spcFirstLastPara="1" vertOverflow="ellipsis" vert="horz" wrap="square" anchor="ctr" anchorCtr="1"/>
+              <a:lstStyle/>
+              <a:p>
+                <a:pPr>
+                  <a:defRPr sz="1000" b="0" i="0" u="none" strike="noStrike" kern="1200" baseline="0">
+                    <a:solidFill>
+                      <a:schemeClr val="tx1">
+                        <a:lumMod val="65000"/>
+                        <a:lumOff val="35000"/>
+                      </a:schemeClr>
+                    </a:solidFill>
+                    <a:latin typeface="+mn-lt"/>
+                    <a:ea typeface="+mn-ea"/>
+                    <a:cs typeface="+mn-cs"/>
+                  </a:defRPr>
+                </a:pPr>
+                <a:r>
+                  <a:rPr lang="ru-RU" sz="1000" b="1" i="0" u="none" strike="noStrike" kern="1200" baseline="0">
+                    <a:solidFill>
+                      <a:sysClr val="windowText" lastClr="000000">
+                        <a:lumMod val="65000"/>
+                        <a:lumOff val="35000"/>
+                      </a:sysClr>
+                    </a:solidFill>
+                  </a:rPr>
+                  <a:t>Скорость потока (мм</a:t>
+                </a:r>
+                <a:r>
+                  <a:rPr lang="en-US" sz="1000" b="1" i="0" u="none" strike="noStrike" kern="1200" baseline="0">
+                    <a:solidFill>
+                      <a:sysClr val="windowText" lastClr="000000">
+                        <a:lumMod val="65000"/>
+                        <a:lumOff val="35000"/>
+                      </a:sysClr>
+                    </a:solidFill>
+                  </a:rPr>
+                  <a:t>/</a:t>
+                </a:r>
+                <a:r>
+                  <a:rPr lang="ru-RU" sz="1000" b="1" i="0" u="none" strike="noStrike" kern="1200" baseline="0">
+                    <a:solidFill>
+                      <a:sysClr val="windowText" lastClr="000000">
+                        <a:lumMod val="65000"/>
+                        <a:lumOff val="35000"/>
+                      </a:sysClr>
+                    </a:solidFill>
+                  </a:rPr>
+                  <a:t>с</a:t>
+                </a:r>
+                <a:r>
+                  <a:rPr lang="en-US" sz="1000" b="1" i="0" u="none" strike="noStrike" kern="1200" baseline="0">
+                    <a:solidFill>
+                      <a:sysClr val="windowText" lastClr="000000">
+                        <a:lumMod val="65000"/>
+                        <a:lumOff val="35000"/>
+                      </a:sysClr>
+                    </a:solidFill>
+                  </a:rPr>
+                  <a:t>)</a:t>
+                </a:r>
+                <a:endParaRPr lang="ru-RU" sz="1000" b="1" i="0" u="none" strike="noStrike" kern="1200" baseline="0">
+                  <a:solidFill>
+                    <a:sysClr val="windowText" lastClr="000000">
+                      <a:lumMod val="65000"/>
+                      <a:lumOff val="35000"/>
+                    </a:sysClr>
+                  </a:solidFill>
+                </a:endParaRPr>
+              </a:p>
+            </c:rich>
+          </c:tx>
+          <c:overlay val="0"/>
+          <c:spPr>
+            <a:noFill/>
+            <a:ln>
+              <a:noFill/>
+            </a:ln>
+            <a:effectLst/>
+          </c:spPr>
+          <c:txPr>
+            <a:bodyPr rot="-5400000" spcFirstLastPara="1" vertOverflow="ellipsis" vert="horz" wrap="square" anchor="ctr" anchorCtr="1"/>
+            <a:lstStyle/>
+            <a:p>
+              <a:pPr>
+                <a:defRPr sz="1000" b="0" i="0" u="none" strike="noStrike" kern="1200" baseline="0">
+                  <a:solidFill>
+                    <a:schemeClr val="tx1">
+                      <a:lumMod val="65000"/>
+                      <a:lumOff val="35000"/>
+                    </a:schemeClr>
+                  </a:solidFill>
+                  <a:latin typeface="+mn-lt"/>
+                  <a:ea typeface="+mn-ea"/>
+                  <a:cs typeface="+mn-cs"/>
+                </a:defRPr>
+              </a:pPr>
+              <a:endParaRPr lang="ru-RU"/>
+            </a:p>
+          </c:txPr>
+        </c:title>
+        <c:numFmt formatCode="0.000E+00" sourceLinked="0"/>
+        <c:majorTickMark val="none"/>
+        <c:minorTickMark val="none"/>
+        <c:tickLblPos val="nextTo"/>
+        <c:spPr>
+          <a:noFill/>
+          <a:ln>
+            <a:solidFill>
+              <a:schemeClr val="accent1"/>
+            </a:solidFill>
+          </a:ln>
+          <a:effectLst/>
+        </c:spPr>
+        <c:txPr>
+          <a:bodyPr rot="-60000000" spcFirstLastPara="1" vertOverflow="ellipsis" vert="horz" wrap="square" anchor="ctr" anchorCtr="1"/>
+          <a:lstStyle/>
+          <a:p>
+            <a:pPr>
+              <a:defRPr sz="900" b="0" i="0" u="none" strike="noStrike" kern="1200" baseline="0">
+                <a:solidFill>
+                  <a:schemeClr val="tx1">
+                    <a:lumMod val="65000"/>
+                    <a:lumOff val="35000"/>
+                  </a:schemeClr>
+                </a:solidFill>
+                <a:latin typeface="+mn-lt"/>
+                <a:ea typeface="+mn-ea"/>
+                <a:cs typeface="+mn-cs"/>
+              </a:defRPr>
+            </a:pPr>
+            <a:endParaRPr lang="ru-RU"/>
+          </a:p>
+        </c:txPr>
+        <c:crossAx val="444040336"/>
+        <c:crosses val="autoZero"/>
+        <c:crossBetween val="between"/>
+        <c:majorUnit val="5.0000000000000021E-6"/>
+      </c:valAx>
+      <c:spPr>
+        <a:noFill/>
+        <a:ln>
+          <a:noFill/>
+        </a:ln>
+        <a:effectLst/>
+      </c:spPr>
+    </c:plotArea>
+    <c:legend>
+      <c:legendPos val="b"/>
+      <c:overlay val="0"/>
+      <c:spPr>
+        <a:noFill/>
+        <a:ln>
+          <a:noFill/>
+        </a:ln>
+        <a:effectLst/>
+      </c:spPr>
+      <c:txPr>
+        <a:bodyPr rot="0" spcFirstLastPara="1" vertOverflow="ellipsis" vert="horz" wrap="square" anchor="ctr" anchorCtr="1"/>
+        <a:lstStyle/>
+        <a:p>
+          <a:pPr>
+            <a:defRPr sz="900" b="0" i="0" u="none" strike="noStrike" kern="1200" baseline="0">
+              <a:solidFill>
+                <a:schemeClr val="tx1">
+                  <a:lumMod val="65000"/>
+                  <a:lumOff val="35000"/>
+                </a:schemeClr>
+              </a:solidFill>
+              <a:latin typeface="+mn-lt"/>
+              <a:ea typeface="+mn-ea"/>
+              <a:cs typeface="+mn-cs"/>
+            </a:defRPr>
+          </a:pPr>
+          <a:endParaRPr lang="ru-RU"/>
+        </a:p>
+      </c:txPr>
+    </c:legend>
+    <c:plotVisOnly val="1"/>
+    <c:dispBlanksAs val="gap"/>
+    <c:extLst>
+      <c:ext xmlns:c16r3="http://schemas.microsoft.com/office/drawing/2017/03/chart" uri="{56B9EC1D-385E-4148-901F-78D8002777C0}">
+        <c16r3:dataDisplayOptions16>
+          <c16r3:dispNaAsBlank val="1"/>
+        </c16r3:dataDisplayOptions16>
+      </c:ext>
+    </c:extLst>
+    <c:showDLblsOverMax val="0"/>
+  </c:chart>
+  <c:spPr>
+    <a:noFill/>
+    <a:ln>
+      <a:noFill/>
+    </a:ln>
+    <a:effectLst/>
+  </c:spPr>
+  <c:txPr>
+    <a:bodyPr/>
+    <a:lstStyle/>
+    <a:p>
+      <a:pPr>
+        <a:defRPr/>
+      </a:pPr>
+      <a:endParaRPr lang="ru-RU"/>
+    </a:p>
+  </c:txPr>
+  <c:externalData r:id="rId3">
+    <c:autoUpdate val="0"/>
+  </c:externalData>
+</c:chartSpace>
+</file>
+
+<file path=ppt/charts/chart4.xml><?xml version="1.0" encoding="utf-8"?>
+<c:chartSpace xmlns:c="http://schemas.openxmlformats.org/drawingml/2006/chart" xmlns:a="http://schemas.openxmlformats.org/drawingml/2006/main" xmlns:r="http://schemas.openxmlformats.org/officeDocument/2006/relationships" xmlns:c16r2="http://schemas.microsoft.com/office/drawing/2015/06/chart">
+  <c:date1904 val="0"/>
+  <c:lang val="ru-RU"/>
+  <c:roundedCorners val="0"/>
+  <mc:AlternateContent xmlns:mc="http://schemas.openxmlformats.org/markup-compatibility/2006">
+    <mc:Choice xmlns:c14="http://schemas.microsoft.com/office/drawing/2007/8/2/chart" Requires="c14">
+      <c14:style val="102"/>
+    </mc:Choice>
+    <mc:Fallback>
+      <c:style val="2"/>
+    </mc:Fallback>
+  </mc:AlternateContent>
+  <c:chart>
+    <c:autoTitleDeleted val="0"/>
+    <c:plotArea>
+      <c:layout/>
+      <c:lineChart>
+        <c:grouping val="standard"/>
+        <c:varyColors val="0"/>
+        <c:ser>
+          <c:idx val="0"/>
+          <c:order val="0"/>
+          <c:tx>
+            <c:v>H = 0,5</c:v>
+          </c:tx>
+          <c:spPr>
+            <a:ln w="28575" cap="rnd">
+              <a:solidFill>
+                <a:schemeClr val="accent1"/>
+              </a:solidFill>
+              <a:round/>
+            </a:ln>
+            <a:effectLst/>
+          </c:spPr>
+          <c:marker>
+            <c:symbol val="circle"/>
+            <c:size val="5"/>
+            <c:spPr>
+              <a:solidFill>
+                <a:schemeClr val="accent1"/>
+              </a:solidFill>
+              <a:ln w="9525">
+                <a:solidFill>
+                  <a:schemeClr val="accent1"/>
+                </a:solidFill>
+              </a:ln>
+              <a:effectLst/>
+            </c:spPr>
+          </c:marker>
+          <c:cat>
+            <c:numRef>
+              <c:f>Лист1!$A$31:$F$31</c:f>
+              <c:numCache>
+                <c:formatCode>0.0</c:formatCode>
+                <c:ptCount val="6"/>
+                <c:pt idx="0">
+                  <c:v>0</c:v>
+                </c:pt>
+                <c:pt idx="1">
+                  <c:v>0.1</c:v>
+                </c:pt>
+                <c:pt idx="2">
+                  <c:v>0.2</c:v>
+                </c:pt>
+                <c:pt idx="3">
+                  <c:v>0.3</c:v>
+                </c:pt>
+                <c:pt idx="4">
+                  <c:v>0.4</c:v>
+                </c:pt>
+                <c:pt idx="5">
+                  <c:v>0.5</c:v>
+                </c:pt>
+              </c:numCache>
+            </c:numRef>
+          </c:cat>
+          <c:val>
+            <c:numRef>
+              <c:f>Лист1!$A$7:$F$7</c:f>
               <c:numCache>
                 <c:formatCode>0.000000000E+00</c:formatCode>
                 <c:ptCount val="6"/>
@@ -1672,7 +2335,7 @@
           <c:smooth val="0"/>
           <c:extLst>
             <c:ext xmlns:c16="http://schemas.microsoft.com/office/drawing/2014/chart" uri="{C3380CC4-5D6E-409C-BE32-E72D297353CC}">
-              <c16:uniqueId val="{00000000-811B-4D03-8B36-85EF2E930A60}"/>
+              <c16:uniqueId val="{00000000-8C40-4577-90CF-9B3F3FE08F47}"/>
             </c:ext>
           </c:extLst>
         </c:ser>
@@ -1708,7 +2371,7 @@
           </c:marker>
           <c:cat>
             <c:numRef>
-              <c:f>Лист1!$A$30:$F$30</c:f>
+              <c:f>Лист1!$A$31:$F$31</c:f>
               <c:numCache>
                 <c:formatCode>0.0</c:formatCode>
                 <c:ptCount val="6"/>
@@ -1735,7 +2398,7 @@
           </c:cat>
           <c:val>
             <c:numRef>
-              <c:f>Лист1!$A$20:$F$20</c:f>
+              <c:f>Лист1!$A$21:$F$21</c:f>
               <c:numCache>
                 <c:formatCode>0.000000000E+00</c:formatCode>
                 <c:ptCount val="6"/>
@@ -1763,7 +2426,7 @@
           <c:smooth val="0"/>
           <c:extLst>
             <c:ext xmlns:c16="http://schemas.microsoft.com/office/drawing/2014/chart" uri="{C3380CC4-5D6E-409C-BE32-E72D297353CC}">
-              <c16:uniqueId val="{00000001-811B-4D03-8B36-85EF2E930A60}"/>
+              <c16:uniqueId val="{00000001-8C40-4577-90CF-9B3F3FE08F47}"/>
             </c:ext>
           </c:extLst>
         </c:ser>
@@ -1799,7 +2462,7 @@
           </c:marker>
           <c:cat>
             <c:numRef>
-              <c:f>Лист1!$A$30:$F$30</c:f>
+              <c:f>Лист1!$A$31:$F$31</c:f>
               <c:numCache>
                 <c:formatCode>0.0</c:formatCode>
                 <c:ptCount val="6"/>
@@ -1826,7 +2489,7 @@
           </c:cat>
           <c:val>
             <c:numRef>
-              <c:f>Лист1!$A$34:$F$34</c:f>
+              <c:f>Лист1!$A$35:$F$35</c:f>
               <c:numCache>
                 <c:formatCode>0.000000000E+00</c:formatCode>
                 <c:ptCount val="6"/>
@@ -1854,7 +2517,7 @@
           <c:smooth val="0"/>
           <c:extLst>
             <c:ext xmlns:c16="http://schemas.microsoft.com/office/drawing/2014/chart" uri="{C3380CC4-5D6E-409C-BE32-E72D297353CC}">
-              <c16:uniqueId val="{00000002-811B-4D03-8B36-85EF2E930A60}"/>
+              <c16:uniqueId val="{00000002-8C40-4577-90CF-9B3F3FE08F47}"/>
             </c:ext>
           </c:extLst>
         </c:ser>
@@ -2032,14 +2695,14 @@
                   </a:defRPr>
                 </a:pPr>
                 <a:r>
-                  <a:rPr lang="ru-RU" b="1"/>
-                  <a:t>Погрешность (</a:t>
+                  <a:rPr lang="ru-RU" b="1" dirty="0"/>
+                  <a:t>Относительная погрешность (</a:t>
                 </a:r>
                 <a:r>
-                  <a:rPr lang="en-US" b="1"/>
+                  <a:rPr lang="en-US" b="1" dirty="0"/>
                   <a:t>%)</a:t>
                 </a:r>
-                <a:endParaRPr lang="ru-RU" b="1"/>
+                <a:endParaRPr lang="ru-RU" b="1" dirty="0"/>
               </a:p>
             </c:rich>
           </c:tx>
@@ -2261,6 +2924,46 @@
 </file>
 
 <file path=ppt/charts/colors3.xml><?xml version="1.0" encoding="utf-8"?>
+<cs:colorStyle xmlns:cs="http://schemas.microsoft.com/office/drawing/2012/chartStyle" xmlns:a="http://schemas.openxmlformats.org/drawingml/2006/main" meth="cycle" id="10">
+  <a:schemeClr val="accent1"/>
+  <a:schemeClr val="accent2"/>
+  <a:schemeClr val="accent3"/>
+  <a:schemeClr val="accent4"/>
+  <a:schemeClr val="accent5"/>
+  <a:schemeClr val="accent6"/>
+  <cs:variation/>
+  <cs:variation>
+    <a:lumMod val="60000"/>
+  </cs:variation>
+  <cs:variation>
+    <a:lumMod val="80000"/>
+    <a:lumOff val="20000"/>
+  </cs:variation>
+  <cs:variation>
+    <a:lumMod val="80000"/>
+  </cs:variation>
+  <cs:variation>
+    <a:lumMod val="60000"/>
+    <a:lumOff val="40000"/>
+  </cs:variation>
+  <cs:variation>
+    <a:lumMod val="50000"/>
+  </cs:variation>
+  <cs:variation>
+    <a:lumMod val="70000"/>
+    <a:lumOff val="30000"/>
+  </cs:variation>
+  <cs:variation>
+    <a:lumMod val="70000"/>
+  </cs:variation>
+  <cs:variation>
+    <a:lumMod val="50000"/>
+    <a:lumOff val="50000"/>
+  </cs:variation>
+</cs:colorStyle>
+</file>
+
+<file path=ppt/charts/colors4.xml><?xml version="1.0" encoding="utf-8"?>
 <cs:colorStyle xmlns:cs="http://schemas.microsoft.com/office/drawing/2012/chartStyle" xmlns:a="http://schemas.openxmlformats.org/drawingml/2006/main" meth="cycle" id="10">
   <a:schemeClr val="accent1"/>
   <a:schemeClr val="accent2"/>
@@ -3848,6 +4551,522 @@
 </cs:chartStyle>
 </file>
 
+<file path=ppt/charts/style4.xml><?xml version="1.0" encoding="utf-8"?>
+<cs:chartStyle xmlns:cs="http://schemas.microsoft.com/office/drawing/2012/chartStyle" xmlns:a="http://schemas.openxmlformats.org/drawingml/2006/main" id="227">
+  <cs:axisTitle>
+    <cs:lnRef idx="0"/>
+    <cs:fillRef idx="0"/>
+    <cs:effectRef idx="0"/>
+    <cs:fontRef idx="minor">
+      <a:schemeClr val="tx1">
+        <a:lumMod val="65000"/>
+        <a:lumOff val="35000"/>
+      </a:schemeClr>
+    </cs:fontRef>
+    <cs:defRPr sz="1000" kern="1200"/>
+  </cs:axisTitle>
+  <cs:categoryAxis>
+    <cs:lnRef idx="0"/>
+    <cs:fillRef idx="0"/>
+    <cs:effectRef idx="0"/>
+    <cs:fontRef idx="minor">
+      <a:schemeClr val="tx1">
+        <a:lumMod val="65000"/>
+        <a:lumOff val="35000"/>
+      </a:schemeClr>
+    </cs:fontRef>
+    <cs:spPr>
+      <a:ln w="9525" cap="flat" cmpd="sng" algn="ctr">
+        <a:solidFill>
+          <a:schemeClr val="tx1">
+            <a:lumMod val="15000"/>
+            <a:lumOff val="85000"/>
+          </a:schemeClr>
+        </a:solidFill>
+        <a:round/>
+      </a:ln>
+    </cs:spPr>
+    <cs:defRPr sz="900" kern="1200"/>
+  </cs:categoryAxis>
+  <cs:chartArea mods="allowNoFillOverride allowNoLineOverride">
+    <cs:lnRef idx="0"/>
+    <cs:fillRef idx="0"/>
+    <cs:effectRef idx="0"/>
+    <cs:fontRef idx="minor">
+      <a:schemeClr val="tx1"/>
+    </cs:fontRef>
+    <cs:spPr>
+      <a:solidFill>
+        <a:schemeClr val="bg1"/>
+      </a:solidFill>
+      <a:ln w="9525" cap="flat" cmpd="sng" algn="ctr">
+        <a:solidFill>
+          <a:schemeClr val="tx1">
+            <a:lumMod val="15000"/>
+            <a:lumOff val="85000"/>
+          </a:schemeClr>
+        </a:solidFill>
+        <a:round/>
+      </a:ln>
+    </cs:spPr>
+    <cs:defRPr sz="1000" kern="1200"/>
+  </cs:chartArea>
+  <cs:dataLabel>
+    <cs:lnRef idx="0"/>
+    <cs:fillRef idx="0"/>
+    <cs:effectRef idx="0"/>
+    <cs:fontRef idx="minor">
+      <a:schemeClr val="tx1">
+        <a:lumMod val="75000"/>
+        <a:lumOff val="25000"/>
+      </a:schemeClr>
+    </cs:fontRef>
+    <cs:defRPr sz="900" kern="1200"/>
+  </cs:dataLabel>
+  <cs:dataLabelCallout>
+    <cs:lnRef idx="0"/>
+    <cs:fillRef idx="0"/>
+    <cs:effectRef idx="0"/>
+    <cs:fontRef idx="minor">
+      <a:schemeClr val="dk1">
+        <a:lumMod val="65000"/>
+        <a:lumOff val="35000"/>
+      </a:schemeClr>
+    </cs:fontRef>
+    <cs:spPr>
+      <a:solidFill>
+        <a:schemeClr val="lt1"/>
+      </a:solidFill>
+      <a:ln>
+        <a:solidFill>
+          <a:schemeClr val="dk1">
+            <a:lumMod val="25000"/>
+            <a:lumOff val="75000"/>
+          </a:schemeClr>
+        </a:solidFill>
+      </a:ln>
+    </cs:spPr>
+    <cs:defRPr sz="900" kern="1200"/>
+    <cs:bodyPr rot="0" spcFirstLastPara="1" vertOverflow="clip" horzOverflow="clip" vert="horz" wrap="square" lIns="36576" tIns="18288" rIns="36576" bIns="18288" anchor="ctr" anchorCtr="1">
+      <a:spAutoFit/>
+    </cs:bodyPr>
+  </cs:dataLabelCallout>
+  <cs:dataPoint>
+    <cs:lnRef idx="0"/>
+    <cs:fillRef idx="1">
+      <cs:styleClr val="auto"/>
+    </cs:fillRef>
+    <cs:effectRef idx="0"/>
+    <cs:fontRef idx="minor">
+      <a:schemeClr val="tx1"/>
+    </cs:fontRef>
+    <cs:spPr>
+      <a:solidFill>
+        <a:schemeClr val="phClr"/>
+      </a:solidFill>
+    </cs:spPr>
+  </cs:dataPoint>
+  <cs:dataPoint3D>
+    <cs:lnRef idx="0"/>
+    <cs:fillRef idx="1">
+      <cs:styleClr val="auto"/>
+    </cs:fillRef>
+    <cs:effectRef idx="0"/>
+    <cs:fontRef idx="minor">
+      <a:schemeClr val="tx1"/>
+    </cs:fontRef>
+    <cs:spPr>
+      <a:solidFill>
+        <a:schemeClr val="phClr"/>
+      </a:solidFill>
+    </cs:spPr>
+  </cs:dataPoint3D>
+  <cs:dataPointLine>
+    <cs:lnRef idx="0">
+      <cs:styleClr val="auto"/>
+    </cs:lnRef>
+    <cs:fillRef idx="1"/>
+    <cs:effectRef idx="0"/>
+    <cs:fontRef idx="minor">
+      <a:schemeClr val="tx1"/>
+    </cs:fontRef>
+    <cs:spPr>
+      <a:ln w="28575" cap="rnd">
+        <a:solidFill>
+          <a:schemeClr val="phClr"/>
+        </a:solidFill>
+        <a:round/>
+      </a:ln>
+    </cs:spPr>
+  </cs:dataPointLine>
+  <cs:dataPointMarker>
+    <cs:lnRef idx="0">
+      <cs:styleClr val="auto"/>
+    </cs:lnRef>
+    <cs:fillRef idx="1">
+      <cs:styleClr val="auto"/>
+    </cs:fillRef>
+    <cs:effectRef idx="0"/>
+    <cs:fontRef idx="minor">
+      <a:schemeClr val="tx1"/>
+    </cs:fontRef>
+    <cs:spPr>
+      <a:solidFill>
+        <a:schemeClr val="phClr"/>
+      </a:solidFill>
+      <a:ln w="9525">
+        <a:solidFill>
+          <a:schemeClr val="phClr"/>
+        </a:solidFill>
+      </a:ln>
+    </cs:spPr>
+  </cs:dataPointMarker>
+  <cs:dataPointMarkerLayout symbol="circle" size="5"/>
+  <cs:dataPointWireframe>
+    <cs:lnRef idx="0">
+      <cs:styleClr val="auto"/>
+    </cs:lnRef>
+    <cs:fillRef idx="1"/>
+    <cs:effectRef idx="0"/>
+    <cs:fontRef idx="minor">
+      <a:schemeClr val="tx1"/>
+    </cs:fontRef>
+    <cs:spPr>
+      <a:ln w="9525" cap="rnd">
+        <a:solidFill>
+          <a:schemeClr val="phClr"/>
+        </a:solidFill>
+        <a:round/>
+      </a:ln>
+    </cs:spPr>
+  </cs:dataPointWireframe>
+  <cs:dataTable>
+    <cs:lnRef idx="0"/>
+    <cs:fillRef idx="0"/>
+    <cs:effectRef idx="0"/>
+    <cs:fontRef idx="minor">
+      <a:schemeClr val="tx1">
+        <a:lumMod val="65000"/>
+        <a:lumOff val="35000"/>
+      </a:schemeClr>
+    </cs:fontRef>
+    <cs:spPr>
+      <a:noFill/>
+      <a:ln w="9525" cap="flat" cmpd="sng" algn="ctr">
+        <a:solidFill>
+          <a:schemeClr val="tx1">
+            <a:lumMod val="15000"/>
+            <a:lumOff val="85000"/>
+          </a:schemeClr>
+        </a:solidFill>
+        <a:round/>
+      </a:ln>
+    </cs:spPr>
+    <cs:defRPr sz="900" kern="1200"/>
+  </cs:dataTable>
+  <cs:downBar>
+    <cs:lnRef idx="0"/>
+    <cs:fillRef idx="0"/>
+    <cs:effectRef idx="0"/>
+    <cs:fontRef idx="minor">
+      <a:schemeClr val="dk1"/>
+    </cs:fontRef>
+    <cs:spPr>
+      <a:solidFill>
+        <a:schemeClr val="dk1">
+          <a:lumMod val="65000"/>
+          <a:lumOff val="35000"/>
+        </a:schemeClr>
+      </a:solidFill>
+      <a:ln w="9525">
+        <a:solidFill>
+          <a:schemeClr val="tx1">
+            <a:lumMod val="65000"/>
+            <a:lumOff val="35000"/>
+          </a:schemeClr>
+        </a:solidFill>
+      </a:ln>
+    </cs:spPr>
+  </cs:downBar>
+  <cs:dropLine>
+    <cs:lnRef idx="0"/>
+    <cs:fillRef idx="0"/>
+    <cs:effectRef idx="0"/>
+    <cs:fontRef idx="minor">
+      <a:schemeClr val="tx1"/>
+    </cs:fontRef>
+    <cs:spPr>
+      <a:ln w="9525" cap="flat" cmpd="sng" algn="ctr">
+        <a:solidFill>
+          <a:schemeClr val="tx1">
+            <a:lumMod val="35000"/>
+            <a:lumOff val="65000"/>
+          </a:schemeClr>
+        </a:solidFill>
+        <a:round/>
+      </a:ln>
+    </cs:spPr>
+  </cs:dropLine>
+  <cs:errorBar>
+    <cs:lnRef idx="0"/>
+    <cs:fillRef idx="0"/>
+    <cs:effectRef idx="0"/>
+    <cs:fontRef idx="minor">
+      <a:schemeClr val="tx1"/>
+    </cs:fontRef>
+    <cs:spPr>
+      <a:ln w="9525" cap="flat" cmpd="sng" algn="ctr">
+        <a:solidFill>
+          <a:schemeClr val="tx1">
+            <a:lumMod val="65000"/>
+            <a:lumOff val="35000"/>
+          </a:schemeClr>
+        </a:solidFill>
+        <a:round/>
+      </a:ln>
+    </cs:spPr>
+  </cs:errorBar>
+  <cs:floor>
+    <cs:lnRef idx="0"/>
+    <cs:fillRef idx="0"/>
+    <cs:effectRef idx="0"/>
+    <cs:fontRef idx="minor">
+      <a:schemeClr val="tx1"/>
+    </cs:fontRef>
+    <cs:spPr>
+      <a:noFill/>
+      <a:ln>
+        <a:noFill/>
+      </a:ln>
+    </cs:spPr>
+  </cs:floor>
+  <cs:gridlineMajor>
+    <cs:lnRef idx="0"/>
+    <cs:fillRef idx="0"/>
+    <cs:effectRef idx="0"/>
+    <cs:fontRef idx="minor">
+      <a:schemeClr val="tx1"/>
+    </cs:fontRef>
+    <cs:spPr>
+      <a:ln w="9525" cap="flat" cmpd="sng" algn="ctr">
+        <a:solidFill>
+          <a:schemeClr val="tx1">
+            <a:lumMod val="15000"/>
+            <a:lumOff val="85000"/>
+          </a:schemeClr>
+        </a:solidFill>
+        <a:round/>
+      </a:ln>
+    </cs:spPr>
+  </cs:gridlineMajor>
+  <cs:gridlineMinor>
+    <cs:lnRef idx="0"/>
+    <cs:fillRef idx="0"/>
+    <cs:effectRef idx="0"/>
+    <cs:fontRef idx="minor">
+      <a:schemeClr val="tx1"/>
+    </cs:fontRef>
+    <cs:spPr>
+      <a:ln w="9525" cap="flat" cmpd="sng" algn="ctr">
+        <a:solidFill>
+          <a:schemeClr val="tx1">
+            <a:lumMod val="5000"/>
+            <a:lumOff val="95000"/>
+          </a:schemeClr>
+        </a:solidFill>
+        <a:round/>
+      </a:ln>
+    </cs:spPr>
+  </cs:gridlineMinor>
+  <cs:hiLoLine>
+    <cs:lnRef idx="0"/>
+    <cs:fillRef idx="0"/>
+    <cs:effectRef idx="0"/>
+    <cs:fontRef idx="minor">
+      <a:schemeClr val="tx1"/>
+    </cs:fontRef>
+    <cs:spPr>
+      <a:ln w="9525" cap="flat" cmpd="sng" algn="ctr">
+        <a:solidFill>
+          <a:schemeClr val="tx1">
+            <a:lumMod val="75000"/>
+            <a:lumOff val="25000"/>
+          </a:schemeClr>
+        </a:solidFill>
+        <a:round/>
+      </a:ln>
+    </cs:spPr>
+  </cs:hiLoLine>
+  <cs:leaderLine>
+    <cs:lnRef idx="0"/>
+    <cs:fillRef idx="0"/>
+    <cs:effectRef idx="0"/>
+    <cs:fontRef idx="minor">
+      <a:schemeClr val="tx1"/>
+    </cs:fontRef>
+    <cs:spPr>
+      <a:ln w="9525" cap="flat" cmpd="sng" algn="ctr">
+        <a:solidFill>
+          <a:schemeClr val="tx1">
+            <a:lumMod val="35000"/>
+            <a:lumOff val="65000"/>
+          </a:schemeClr>
+        </a:solidFill>
+        <a:round/>
+      </a:ln>
+    </cs:spPr>
+  </cs:leaderLine>
+  <cs:legend>
+    <cs:lnRef idx="0"/>
+    <cs:fillRef idx="0"/>
+    <cs:effectRef idx="0"/>
+    <cs:fontRef idx="minor">
+      <a:schemeClr val="tx1">
+        <a:lumMod val="65000"/>
+        <a:lumOff val="35000"/>
+      </a:schemeClr>
+    </cs:fontRef>
+    <cs:defRPr sz="900" kern="1200"/>
+  </cs:legend>
+  <cs:plotArea mods="allowNoFillOverride allowNoLineOverride">
+    <cs:lnRef idx="0"/>
+    <cs:fillRef idx="0"/>
+    <cs:effectRef idx="0"/>
+    <cs:fontRef idx="minor">
+      <a:schemeClr val="tx1"/>
+    </cs:fontRef>
+  </cs:plotArea>
+  <cs:plotArea3D mods="allowNoFillOverride allowNoLineOverride">
+    <cs:lnRef idx="0"/>
+    <cs:fillRef idx="0"/>
+    <cs:effectRef idx="0"/>
+    <cs:fontRef idx="minor">
+      <a:schemeClr val="tx1"/>
+    </cs:fontRef>
+  </cs:plotArea3D>
+  <cs:seriesAxis>
+    <cs:lnRef idx="0"/>
+    <cs:fillRef idx="0"/>
+    <cs:effectRef idx="0"/>
+    <cs:fontRef idx="minor">
+      <a:schemeClr val="tx1">
+        <a:lumMod val="65000"/>
+        <a:lumOff val="35000"/>
+      </a:schemeClr>
+    </cs:fontRef>
+    <cs:defRPr sz="900" kern="1200"/>
+  </cs:seriesAxis>
+  <cs:seriesLine>
+    <cs:lnRef idx="0"/>
+    <cs:fillRef idx="0"/>
+    <cs:effectRef idx="0"/>
+    <cs:fontRef idx="minor">
+      <a:schemeClr val="tx1"/>
+    </cs:fontRef>
+    <cs:spPr>
+      <a:ln w="9525" cap="flat" cmpd="sng" algn="ctr">
+        <a:solidFill>
+          <a:schemeClr val="tx1">
+            <a:lumMod val="35000"/>
+            <a:lumOff val="65000"/>
+          </a:schemeClr>
+        </a:solidFill>
+        <a:round/>
+      </a:ln>
+    </cs:spPr>
+  </cs:seriesLine>
+  <cs:title>
+    <cs:lnRef idx="0"/>
+    <cs:fillRef idx="0"/>
+    <cs:effectRef idx="0"/>
+    <cs:fontRef idx="minor">
+      <a:schemeClr val="tx1">
+        <a:lumMod val="65000"/>
+        <a:lumOff val="35000"/>
+      </a:schemeClr>
+    </cs:fontRef>
+    <cs:defRPr sz="1400" b="0" kern="1200" spc="0" baseline="0"/>
+  </cs:title>
+  <cs:trendline>
+    <cs:lnRef idx="0">
+      <cs:styleClr val="auto"/>
+    </cs:lnRef>
+    <cs:fillRef idx="0"/>
+    <cs:effectRef idx="0"/>
+    <cs:fontRef idx="minor">
+      <a:schemeClr val="tx1"/>
+    </cs:fontRef>
+    <cs:spPr>
+      <a:ln w="19050" cap="rnd">
+        <a:solidFill>
+          <a:schemeClr val="phClr"/>
+        </a:solidFill>
+        <a:prstDash val="sysDot"/>
+      </a:ln>
+    </cs:spPr>
+  </cs:trendline>
+  <cs:trendlineLabel>
+    <cs:lnRef idx="0"/>
+    <cs:fillRef idx="0"/>
+    <cs:effectRef idx="0"/>
+    <cs:fontRef idx="minor">
+      <a:schemeClr val="tx1">
+        <a:lumMod val="65000"/>
+        <a:lumOff val="35000"/>
+      </a:schemeClr>
+    </cs:fontRef>
+    <cs:defRPr sz="900" kern="1200"/>
+  </cs:trendlineLabel>
+  <cs:upBar>
+    <cs:lnRef idx="0"/>
+    <cs:fillRef idx="0"/>
+    <cs:effectRef idx="0"/>
+    <cs:fontRef idx="minor">
+      <a:schemeClr val="dk1"/>
+    </cs:fontRef>
+    <cs:spPr>
+      <a:solidFill>
+        <a:schemeClr val="lt1"/>
+      </a:solidFill>
+      <a:ln w="9525">
+        <a:solidFill>
+          <a:schemeClr val="tx1">
+            <a:lumMod val="15000"/>
+            <a:lumOff val="85000"/>
+          </a:schemeClr>
+        </a:solidFill>
+      </a:ln>
+    </cs:spPr>
+  </cs:upBar>
+  <cs:valueAxis>
+    <cs:lnRef idx="0"/>
+    <cs:fillRef idx="0"/>
+    <cs:effectRef idx="0"/>
+    <cs:fontRef idx="minor">
+      <a:schemeClr val="tx1">
+        <a:lumMod val="65000"/>
+        <a:lumOff val="35000"/>
+      </a:schemeClr>
+    </cs:fontRef>
+    <cs:defRPr sz="900" kern="1200"/>
+  </cs:valueAxis>
+  <cs:wall>
+    <cs:lnRef idx="0"/>
+    <cs:fillRef idx="0"/>
+    <cs:effectRef idx="0"/>
+    <cs:fontRef idx="minor">
+      <a:schemeClr val="tx1"/>
+    </cs:fontRef>
+    <cs:spPr>
+      <a:noFill/>
+      <a:ln>
+        <a:noFill/>
+      </a:ln>
+    </cs:spPr>
+  </cs:wall>
+</cs:chartStyle>
+</file>
+
 <file path=ppt/notesMasters/notesMaster1.xml><?xml version="1.0" encoding="utf-8"?>
 <p:notesMaster xmlns:a="http://schemas.openxmlformats.org/drawingml/2006/main" xmlns:r="http://schemas.openxmlformats.org/officeDocument/2006/relationships" xmlns:p="http://schemas.openxmlformats.org/presentationml/2006/main">
   <p:cSld>
@@ -3930,7 +5149,7 @@
           <a:p>
             <a:fld id="{4FB39D85-4F6E-4A19-81D4-36E991D83482}" type="datetimeFigureOut">
               <a:rPr lang="ru-RU" smtClean="0"/>
-              <a:t>23.04.2024</a:t>
+              <a:t>24.04.2024</a:t>
             </a:fld>
             <a:endParaRPr lang="ru-RU"/>
           </a:p>
@@ -4243,7 +5462,7 @@
           <a:p>
             <a:r>
               <a:rPr lang="ru-RU" dirty="0"/>
-              <a:t>Оставить ссылки на средний показатель</a:t>
+              <a:t>Моделирование сосудистой реактивности для изучения основы взаимосвязи между объемом мозговой крови и кровотоком при манипулировании CO2</a:t>
             </a:r>
           </a:p>
         </p:txBody>
@@ -4328,10 +5547,7 @@
           <a:bodyPr/>
           <a:lstStyle/>
           <a:p>
-            <a:r>
-              <a:rPr lang="ru-RU" dirty="0"/>
-              <a:t>Привести размерности</a:t>
-            </a:r>
+            <a:endParaRPr lang="ru-RU" dirty="0"/>
           </a:p>
         </p:txBody>
       </p:sp>
@@ -4415,16 +5631,7 @@
           <a:bodyPr/>
           <a:lstStyle/>
           <a:p>
-            <a:r>
-              <a:rPr lang="ru-RU" dirty="0"/>
-              <a:t>Обозначить пространство функций (пространство Соболева)</a:t>
-            </a:r>
-          </a:p>
-          <a:p>
-            <a:r>
-              <a:rPr lang="ru-RU" dirty="0"/>
-              <a:t>Связать две формулировки</a:t>
-            </a:r>
+            <a:endParaRPr lang="ru-RU" dirty="0"/>
           </a:p>
         </p:txBody>
       </p:sp>
@@ -4796,7 +6003,7 @@
           <a:p>
             <a:fld id="{966C2830-9D22-4CBC-B504-F822101AA42E}" type="datetimeFigureOut">
               <a:rPr lang="ru-RU" smtClean="0"/>
-              <a:t>23.04.2024</a:t>
+              <a:t>24.04.2024</a:t>
             </a:fld>
             <a:endParaRPr lang="ru-RU"/>
           </a:p>
@@ -5058,7 +6265,7 @@
           <a:p>
             <a:fld id="{966C2830-9D22-4CBC-B504-F822101AA42E}" type="datetimeFigureOut">
               <a:rPr lang="ru-RU" smtClean="0"/>
-              <a:t>23.04.2024</a:t>
+              <a:t>24.04.2024</a:t>
             </a:fld>
             <a:endParaRPr lang="ru-RU"/>
           </a:p>
@@ -5293,7 +6500,7 @@
           <a:p>
             <a:fld id="{966C2830-9D22-4CBC-B504-F822101AA42E}" type="datetimeFigureOut">
               <a:rPr lang="ru-RU" smtClean="0"/>
-              <a:t>23.04.2024</a:t>
+              <a:t>24.04.2024</a:t>
             </a:fld>
             <a:endParaRPr lang="ru-RU"/>
           </a:p>
@@ -5533,7 +6740,7 @@
           <a:p>
             <a:fld id="{966C2830-9D22-4CBC-B504-F822101AA42E}" type="datetimeFigureOut">
               <a:rPr lang="ru-RU" smtClean="0"/>
-              <a:t>23.04.2024</a:t>
+              <a:t>24.04.2024</a:t>
             </a:fld>
             <a:endParaRPr lang="ru-RU"/>
           </a:p>
@@ -5840,7 +7047,7 @@
           <a:p>
             <a:fld id="{966C2830-9D22-4CBC-B504-F822101AA42E}" type="datetimeFigureOut">
               <a:rPr lang="ru-RU" smtClean="0"/>
-              <a:t>23.04.2024</a:t>
+              <a:t>24.04.2024</a:t>
             </a:fld>
             <a:endParaRPr lang="ru-RU"/>
           </a:p>
@@ -6142,7 +7349,7 @@
           <a:p>
             <a:fld id="{966C2830-9D22-4CBC-B504-F822101AA42E}" type="datetimeFigureOut">
               <a:rPr lang="ru-RU" smtClean="0"/>
-              <a:t>23.04.2024</a:t>
+              <a:t>24.04.2024</a:t>
             </a:fld>
             <a:endParaRPr lang="ru-RU"/>
           </a:p>
@@ -6564,7 +7771,7 @@
           <a:p>
             <a:fld id="{966C2830-9D22-4CBC-B504-F822101AA42E}" type="datetimeFigureOut">
               <a:rPr lang="ru-RU" smtClean="0"/>
-              <a:t>23.04.2024</a:t>
+              <a:t>24.04.2024</a:t>
             </a:fld>
             <a:endParaRPr lang="ru-RU"/>
           </a:p>
@@ -6726,7 +7933,7 @@
           <a:p>
             <a:fld id="{966C2830-9D22-4CBC-B504-F822101AA42E}" type="datetimeFigureOut">
               <a:rPr lang="ru-RU" smtClean="0"/>
-              <a:t>23.04.2024</a:t>
+              <a:t>24.04.2024</a:t>
             </a:fld>
             <a:endParaRPr lang="ru-RU"/>
           </a:p>
@@ -6821,7 +8028,7 @@
           <a:p>
             <a:fld id="{966C2830-9D22-4CBC-B504-F822101AA42E}" type="datetimeFigureOut">
               <a:rPr lang="ru-RU" smtClean="0"/>
-              <a:t>23.04.2024</a:t>
+              <a:t>24.04.2024</a:t>
             </a:fld>
             <a:endParaRPr lang="ru-RU"/>
           </a:p>
@@ -7199,7 +8406,7 @@
           <a:p>
             <a:fld id="{966C2830-9D22-4CBC-B504-F822101AA42E}" type="datetimeFigureOut">
               <a:rPr lang="ru-RU" smtClean="0"/>
-              <a:t>23.04.2024</a:t>
+              <a:t>24.04.2024</a:t>
             </a:fld>
             <a:endParaRPr lang="ru-RU"/>
           </a:p>
@@ -7488,7 +8695,7 @@
           <a:p>
             <a:fld id="{966C2830-9D22-4CBC-B504-F822101AA42E}" type="datetimeFigureOut">
               <a:rPr lang="ru-RU" smtClean="0"/>
-              <a:t>23.04.2024</a:t>
+              <a:t>24.04.2024</a:t>
             </a:fld>
             <a:endParaRPr lang="ru-RU"/>
           </a:p>
@@ -7699,7 +8906,7 @@
           <a:p>
             <a:fld id="{966C2830-9D22-4CBC-B504-F822101AA42E}" type="datetimeFigureOut">
               <a:rPr lang="ru-RU" smtClean="0"/>
-              <a:t>23.04.2024</a:t>
+              <a:t>24.04.2024</a:t>
             </a:fld>
             <a:endParaRPr lang="ru-RU"/>
           </a:p>
@@ -8869,6 +10076,140 @@
           <p:cNvPr id="2" name="Заголовок 1">
             <a:extLst>
               <a:ext uri="{FF2B5EF4-FFF2-40B4-BE49-F238E27FC236}">
+                <a16:creationId xmlns:a16="http://schemas.microsoft.com/office/drawing/2014/main" id="{30948A77-7215-1570-385F-42A7C50BC2CE}"/>
+              </a:ext>
+            </a:extLst>
+          </p:cNvPr>
+          <p:cNvSpPr>
+            <a:spLocks noGrp="1"/>
+          </p:cNvSpPr>
+          <p:nvPr>
+            <p:ph type="title"/>
+          </p:nvPr>
+        </p:nvSpPr>
+        <p:spPr/>
+        <p:txBody>
+          <a:bodyPr anchor="ctr"/>
+          <a:lstStyle/>
+          <a:p>
+            <a:pPr algn="ctr"/>
+            <a:r>
+              <a:rPr lang="ru-RU" dirty="0"/>
+              <a:t>Относительная погрешность потока</a:t>
+            </a:r>
+          </a:p>
+        </p:txBody>
+      </p:sp>
+      <p:graphicFrame>
+        <p:nvGraphicFramePr>
+          <p:cNvPr id="4" name="Объект 3">
+            <a:extLst>
+              <a:ext uri="{FF2B5EF4-FFF2-40B4-BE49-F238E27FC236}">
+                <a16:creationId xmlns:a16="http://schemas.microsoft.com/office/drawing/2014/main" id="{602BB1DF-3E5C-2D64-0C45-EE948131D8EF}"/>
+              </a:ext>
+            </a:extLst>
+          </p:cNvPr>
+          <p:cNvGraphicFramePr>
+            <a:graphicFrameLocks noGrp="1"/>
+          </p:cNvGraphicFramePr>
+          <p:nvPr>
+            <p:ph idx="1"/>
+            <p:extLst>
+              <p:ext uri="{D42A27DB-BD31-4B8C-83A1-F6EECF244321}">
+                <p14:modId xmlns:p14="http://schemas.microsoft.com/office/powerpoint/2010/main" val="3792756572"/>
+              </p:ext>
+            </p:extLst>
+          </p:nvPr>
+        </p:nvGraphicFramePr>
+        <p:xfrm>
+          <a:off x="581025" y="1889760"/>
+          <a:ext cx="11029950" cy="3660808"/>
+        </p:xfrm>
+        <a:graphic>
+          <a:graphicData uri="http://schemas.openxmlformats.org/drawingml/2006/chart">
+            <c:chart xmlns:c="http://schemas.openxmlformats.org/drawingml/2006/chart" xmlns:r="http://schemas.openxmlformats.org/officeDocument/2006/relationships" r:id="rId2"/>
+          </a:graphicData>
+        </a:graphic>
+      </p:graphicFrame>
+      <p:sp>
+        <p:nvSpPr>
+          <p:cNvPr id="5" name="TextBox 4">
+            <a:extLst>
+              <a:ext uri="{FF2B5EF4-FFF2-40B4-BE49-F238E27FC236}">
+                <a16:creationId xmlns:a16="http://schemas.microsoft.com/office/drawing/2014/main" id="{3D421CEF-08A7-42BD-A4E5-44ABDB2068EA}"/>
+              </a:ext>
+            </a:extLst>
+          </p:cNvPr>
+          <p:cNvSpPr txBox="1"/>
+          <p:nvPr/>
+        </p:nvSpPr>
+        <p:spPr>
+          <a:xfrm>
+            <a:off x="581025" y="5740345"/>
+            <a:ext cx="11029950" cy="830997"/>
+          </a:xfrm>
+          <a:prstGeom prst="rect">
+            <a:avLst/>
+          </a:prstGeom>
+          <a:noFill/>
+        </p:spPr>
+        <p:txBody>
+          <a:bodyPr wrap="square" rtlCol="0">
+            <a:spAutoFit/>
+          </a:bodyPr>
+          <a:lstStyle/>
+          <a:p>
+            <a:r>
+              <a:rPr lang="ru-RU" sz="1600" dirty="0"/>
+              <a:t>Гематокрит в микрососудах редко когда превышает за 0,2</a:t>
+            </a:r>
+          </a:p>
+          <a:p>
+            <a:r>
+              <a:rPr lang="ru-RU" sz="1600" dirty="0"/>
+              <a:t>Ошибка при гематокрите 0,2 едва переходит за 2%, что можно списать на погрешность измерения</a:t>
+            </a:r>
+          </a:p>
+          <a:p>
+            <a:endParaRPr lang="ru-RU" sz="1600" dirty="0"/>
+          </a:p>
+        </p:txBody>
+      </p:sp>
+    </p:spTree>
+    <p:extLst>
+      <p:ext uri="{BB962C8B-B14F-4D97-AF65-F5344CB8AC3E}">
+        <p14:creationId xmlns:p14="http://schemas.microsoft.com/office/powerpoint/2010/main" val="2743563370"/>
+      </p:ext>
+    </p:extLst>
+  </p:cSld>
+  <p:clrMapOvr>
+    <a:masterClrMapping/>
+  </p:clrMapOvr>
+</p:sld>
+</file>
+
+<file path=ppt/slides/slide11.xml><?xml version="1.0" encoding="utf-8"?>
+<p:sld xmlns:a="http://schemas.openxmlformats.org/drawingml/2006/main" xmlns:r="http://schemas.openxmlformats.org/officeDocument/2006/relationships" xmlns:p="http://schemas.openxmlformats.org/presentationml/2006/main">
+  <p:cSld>
+    <p:spTree>
+      <p:nvGrpSpPr>
+        <p:cNvPr id="1" name=""/>
+        <p:cNvGrpSpPr/>
+        <p:nvPr/>
+      </p:nvGrpSpPr>
+      <p:grpSpPr>
+        <a:xfrm>
+          <a:off x="0" y="0"/>
+          <a:ext cx="0" cy="0"/>
+          <a:chOff x="0" y="0"/>
+          <a:chExt cx="0" cy="0"/>
+        </a:xfrm>
+      </p:grpSpPr>
+      <p:sp>
+        <p:nvSpPr>
+          <p:cNvPr id="2" name="Заголовок 1">
+            <a:extLst>
+              <a:ext uri="{FF2B5EF4-FFF2-40B4-BE49-F238E27FC236}">
                 <a16:creationId xmlns:a16="http://schemas.microsoft.com/office/drawing/2014/main" id="{37F0901C-3439-09E7-0316-5F7BFCA87E29}"/>
               </a:ext>
             </a:extLst>
@@ -8985,7 +10326,24 @@
                 <a:ea typeface="Aptos" panose="020B0004020202020204" pitchFamily="34" charset="0"/>
                 <a:cs typeface="Times New Roman" panose="02020603050405020304" pitchFamily="18" charset="0"/>
               </a:rPr>
-              <a:t>Показано, что изменение деформации незначительно влияет на характеристики движения крови, поэтому при моделировании можно использовать эритроциты цилиндрической формы. Это позволяет применять аналитические подходы к моделированию движения крови по капиллярной сети, что значительно увеличит скорость вычислений .</a:t>
+              <a:t>Показано, что изменение деформации незначительно влияет на характеристики потока крови, поэтому при моделировании можно использовать эритроциты цилиндрической формы (с коэффициентом деформации = 0).</a:t>
+            </a:r>
+            <a:br>
+              <a:rPr lang="ru-RU" sz="1800" kern="100" dirty="0">
+                <a:effectLst/>
+                <a:latin typeface="Aptos" panose="020B0004020202020204" pitchFamily="34" charset="0"/>
+                <a:ea typeface="Aptos" panose="020B0004020202020204" pitchFamily="34" charset="0"/>
+                <a:cs typeface="Times New Roman" panose="02020603050405020304" pitchFamily="18" charset="0"/>
+              </a:rPr>
+            </a:br>
+            <a:r>
+              <a:rPr lang="ru-RU" sz="1800" kern="100" dirty="0">
+                <a:effectLst/>
+                <a:latin typeface="Aptos" panose="020B0004020202020204" pitchFamily="34" charset="0"/>
+                <a:ea typeface="Aptos" panose="020B0004020202020204" pitchFamily="34" charset="0"/>
+                <a:cs typeface="Times New Roman" panose="02020603050405020304" pitchFamily="18" charset="0"/>
+              </a:rPr>
+              <a:t>Это позволяет применять аналитические подходы к моделированию движения крови по капиллярной сети, что значительно увеличит скорость вычислений .</a:t>
             </a:r>
           </a:p>
         </p:txBody>
@@ -9003,7 +10361,7 @@
 </p:sld>
 </file>
 
-<file path=ppt/slides/slide11.xml><?xml version="1.0" encoding="utf-8"?>
+<file path=ppt/slides/slide12.xml><?xml version="1.0" encoding="utf-8"?>
 <p:sld xmlns:a="http://schemas.openxmlformats.org/drawingml/2006/main" xmlns:r="http://schemas.openxmlformats.org/officeDocument/2006/relationships" xmlns:p="http://schemas.openxmlformats.org/presentationml/2006/main">
   <p:cSld>
     <p:bg>
@@ -9477,8 +10835,8 @@
           </a:p>
         </p:txBody>
       </p:sp>
-      <mc:AlternateContent xmlns:mc="http://schemas.openxmlformats.org/markup-compatibility/2006">
-        <mc:Choice xmlns:a14="http://schemas.microsoft.com/office/drawing/2010/main" Requires="a14">
+      <mc:AlternateContent xmlns:mc="http://schemas.openxmlformats.org/markup-compatibility/2006" xmlns:a14="http://schemas.microsoft.com/office/drawing/2010/main">
+        <mc:Choice Requires="a14">
           <p:sp>
             <p:nvSpPr>
               <p:cNvPr id="3" name="Объект 2">
@@ -9602,7 +10960,7 @@
             </p:txBody>
           </p:sp>
         </mc:Choice>
-        <mc:Fallback>
+        <mc:Fallback xmlns="">
           <p:sp>
             <p:nvSpPr>
               <p:cNvPr id="3" name="Объект 2">
@@ -9870,8 +11228,8 @@
           </a:p>
         </p:txBody>
       </p:sp>
-      <mc:AlternateContent xmlns:mc="http://schemas.openxmlformats.org/markup-compatibility/2006">
-        <mc:Choice xmlns:a14="http://schemas.microsoft.com/office/drawing/2010/main" Requires="a14">
+      <mc:AlternateContent xmlns:mc="http://schemas.openxmlformats.org/markup-compatibility/2006" xmlns:a14="http://schemas.microsoft.com/office/drawing/2010/main">
+        <mc:Choice Requires="a14">
           <p:sp>
             <p:nvSpPr>
               <p:cNvPr id="4" name="Объект 3">
@@ -9947,7 +11305,7 @@
             </p:txBody>
           </p:sp>
         </mc:Choice>
-        <mc:Fallback>
+        <mc:Fallback xmlns="">
           <p:sp>
             <p:nvSpPr>
               <p:cNvPr id="4" name="Объект 3">
@@ -10024,8 +11382,8 @@
           </a:p>
         </p:txBody>
       </p:sp>
-      <mc:AlternateContent xmlns:mc="http://schemas.openxmlformats.org/markup-compatibility/2006">
-        <mc:Choice xmlns:a14="http://schemas.microsoft.com/office/drawing/2010/main" Requires="a14">
+      <mc:AlternateContent xmlns:mc="http://schemas.openxmlformats.org/markup-compatibility/2006" xmlns:a14="http://schemas.microsoft.com/office/drawing/2010/main">
+        <mc:Choice Requires="a14">
           <p:sp>
             <p:nvSpPr>
               <p:cNvPr id="6" name="Объект 5">
@@ -10152,7 +11510,7 @@
             </p:txBody>
           </p:sp>
         </mc:Choice>
-        <mc:Fallback>
+        <mc:Fallback xmlns="">
           <p:sp>
             <p:nvSpPr>
               <p:cNvPr id="6" name="Объект 5">
@@ -16180,8 +17538,8 @@
             </p:style>
           </p:cxnSp>
         </p:grpSp>
-        <mc:AlternateContent xmlns:mc="http://schemas.openxmlformats.org/markup-compatibility/2006">
-          <mc:Choice xmlns:a14="http://schemas.microsoft.com/office/drawing/2010/main" Requires="a14">
+        <mc:AlternateContent xmlns:mc="http://schemas.openxmlformats.org/markup-compatibility/2006" xmlns:a14="http://schemas.microsoft.com/office/drawing/2010/main">
+          <mc:Choice Requires="a14">
             <p:sp>
               <p:nvSpPr>
                 <p:cNvPr id="97" name="Прямоугольник 96">
@@ -16251,7 +17609,7 @@
               </p:txBody>
             </p:sp>
           </mc:Choice>
-          <mc:Fallback>
+          <mc:Fallback xmlns="">
             <p:sp>
               <p:nvSpPr>
                 <p:cNvPr id="97" name="Прямоугольник 96">
@@ -16296,8 +17654,8 @@
             </p:sp>
           </mc:Fallback>
         </mc:AlternateContent>
-        <mc:AlternateContent xmlns:mc="http://schemas.openxmlformats.org/markup-compatibility/2006">
-          <mc:Choice xmlns:a14="http://schemas.microsoft.com/office/drawing/2010/main" Requires="a14">
+        <mc:AlternateContent xmlns:mc="http://schemas.openxmlformats.org/markup-compatibility/2006" xmlns:a14="http://schemas.microsoft.com/office/drawing/2010/main">
+          <mc:Choice Requires="a14">
             <p:sp>
               <p:nvSpPr>
                 <p:cNvPr id="98" name="Прямоугольник 97">
@@ -16365,7 +17723,7 @@
               </p:txBody>
             </p:sp>
           </mc:Choice>
-          <mc:Fallback>
+          <mc:Fallback xmlns="">
             <p:sp>
               <p:nvSpPr>
                 <p:cNvPr id="98" name="Прямоугольник 97">
@@ -16410,8 +17768,8 @@
             </p:sp>
           </mc:Fallback>
         </mc:AlternateContent>
-        <mc:AlternateContent xmlns:mc="http://schemas.openxmlformats.org/markup-compatibility/2006">
-          <mc:Choice xmlns:a14="http://schemas.microsoft.com/office/drawing/2010/main" Requires="a14">
+        <mc:AlternateContent xmlns:mc="http://schemas.openxmlformats.org/markup-compatibility/2006" xmlns:a14="http://schemas.microsoft.com/office/drawing/2010/main">
+          <mc:Choice Requires="a14">
             <p:sp>
               <p:nvSpPr>
                 <p:cNvPr id="99" name="Прямоугольник 98">
@@ -16479,7 +17837,7 @@
               </p:txBody>
             </p:sp>
           </mc:Choice>
-          <mc:Fallback>
+          <mc:Fallback xmlns="">
             <p:sp>
               <p:nvSpPr>
                 <p:cNvPr id="99" name="Прямоугольник 98">
@@ -16584,8 +17942,8 @@
           </a:p>
         </p:txBody>
       </p:sp>
-      <mc:AlternateContent xmlns:mc="http://schemas.openxmlformats.org/markup-compatibility/2006">
-        <mc:Choice xmlns:a14="http://schemas.microsoft.com/office/drawing/2010/main" Requires="a14">
+      <mc:AlternateContent xmlns:mc="http://schemas.openxmlformats.org/markup-compatibility/2006" xmlns:a14="http://schemas.microsoft.com/office/drawing/2010/main">
+        <mc:Choice Requires="a14">
           <p:sp>
             <p:nvSpPr>
               <p:cNvPr id="3" name="Объект 2">
@@ -17467,7 +18825,7 @@
             </p:txBody>
           </p:sp>
         </mc:Choice>
-        <mc:Fallback>
+        <mc:Fallback xmlns="">
           <p:sp>
             <p:nvSpPr>
               <p:cNvPr id="3" name="Объект 2">
@@ -17541,8 +18899,8 @@
           </a:prstGeom>
         </p:spPr>
       </p:pic>
-      <mc:AlternateContent xmlns:mc="http://schemas.openxmlformats.org/markup-compatibility/2006">
-        <mc:Choice xmlns:a14="http://schemas.microsoft.com/office/drawing/2010/main" Requires="a14">
+      <mc:AlternateContent xmlns:mc="http://schemas.openxmlformats.org/markup-compatibility/2006" xmlns:a14="http://schemas.microsoft.com/office/drawing/2010/main">
+        <mc:Choice Requires="a14">
           <p:sp>
             <p:nvSpPr>
               <p:cNvPr id="5" name="Прямоугольник 4">
@@ -17612,7 +18970,7 @@
             </p:txBody>
           </p:sp>
         </mc:Choice>
-        <mc:Fallback>
+        <mc:Fallback xmlns="">
           <p:sp>
             <p:nvSpPr>
               <p:cNvPr id="5" name="Прямоугольник 4">
@@ -17657,8 +19015,8 @@
           </p:sp>
         </mc:Fallback>
       </mc:AlternateContent>
-      <mc:AlternateContent xmlns:mc="http://schemas.openxmlformats.org/markup-compatibility/2006">
-        <mc:Choice xmlns:a14="http://schemas.microsoft.com/office/drawing/2010/main" Requires="a14">
+      <mc:AlternateContent xmlns:mc="http://schemas.openxmlformats.org/markup-compatibility/2006" xmlns:a14="http://schemas.microsoft.com/office/drawing/2010/main">
+        <mc:Choice Requires="a14">
           <p:sp>
             <p:nvSpPr>
               <p:cNvPr id="6" name="Прямоугольник 5">
@@ -17728,7 +19086,7 @@
             </p:txBody>
           </p:sp>
         </mc:Choice>
-        <mc:Fallback>
+        <mc:Fallback xmlns="">
           <p:sp>
             <p:nvSpPr>
               <p:cNvPr id="6" name="Прямоугольник 5">
@@ -17857,7 +19215,7 @@
             <p:spPr>
               <a:xfrm>
                 <a:off x="6586113" y="6043408"/>
-                <a:ext cx="2496837" cy="617861"/>
+                <a:ext cx="3130857" cy="498278"/>
               </a:xfrm>
               <a:prstGeom prst="rect">
                 <a:avLst/>
@@ -17965,6 +19323,35 @@
                               </m:r>
                             </m:e>
                           </m:eqArr>
+                          <m:r>
+                            <a:rPr lang="en-US" b="0" i="1" smtClean="0">
+                              <a:latin typeface="Cambria Math" panose="02040503050406030204" pitchFamily="18" charset="0"/>
+                              <a:cs typeface="Times New Roman" panose="02020603050405020304" pitchFamily="18" charset="0"/>
+                            </a:rPr>
+                            <m:t> </m:t>
+                          </m:r>
+                          <m:r>
+                            <a:rPr lang="en-US" b="0" i="1" smtClean="0">
+                              <a:latin typeface="Cambria Math" panose="02040503050406030204" pitchFamily="18" charset="0"/>
+                              <a:cs typeface="Times New Roman" panose="02020603050405020304" pitchFamily="18" charset="0"/>
+                            </a:rPr>
+                            <m:t>𝑃𝑎</m:t>
+                          </m:r>
+                          <m:r>
+                            <a:rPr lang="en-US" b="0" i="1" smtClean="0">
+                              <a:latin typeface="Cambria Math" panose="02040503050406030204" pitchFamily="18" charset="0"/>
+                              <a:cs typeface="Times New Roman" panose="02020603050405020304" pitchFamily="18" charset="0"/>
+                            </a:rPr>
+                            <m:t> ∙</m:t>
+                          </m:r>
+                          <m:r>
+                            <a:rPr lang="en-US" b="0" i="1" smtClean="0">
+                              <a:latin typeface="Cambria Math" panose="02040503050406030204" pitchFamily="18" charset="0"/>
+                              <a:ea typeface="Cambria Math" panose="02040503050406030204" pitchFamily="18" charset="0"/>
+                              <a:cs typeface="Times New Roman" panose="02020603050405020304" pitchFamily="18" charset="0"/>
+                            </a:rPr>
+                            <m:t>𝑠</m:t>
+                          </m:r>
                         </m:e>
                       </m:d>
                     </m:oMath>
@@ -17993,7 +19380,7 @@
             <p:spPr>
               <a:xfrm>
                 <a:off x="6586113" y="6043408"/>
-                <a:ext cx="2496837" cy="617861"/>
+                <a:ext cx="3130857" cy="498278"/>
               </a:xfrm>
               <a:prstGeom prst="rect">
                 <a:avLst/>
@@ -18020,8 +19407,8 @@
           </p:sp>
         </mc:Fallback>
       </mc:AlternateContent>
-      <mc:AlternateContent xmlns:mc="http://schemas.openxmlformats.org/markup-compatibility/2006">
-        <mc:Choice xmlns:a14="http://schemas.microsoft.com/office/drawing/2010/main" Requires="a14">
+      <mc:AlternateContent xmlns:mc="http://schemas.openxmlformats.org/markup-compatibility/2006" xmlns:a14="http://schemas.microsoft.com/office/drawing/2010/main">
+        <mc:Choice Requires="a14">
           <p:sp>
             <p:nvSpPr>
               <p:cNvPr id="10" name="Прямоугольник 9">
@@ -18085,7 +19472,7 @@
             </p:txBody>
           </p:sp>
         </mc:Choice>
-        <mc:Fallback>
+        <mc:Fallback xmlns="">
           <p:sp>
             <p:nvSpPr>
               <p:cNvPr id="10" name="Прямоугольник 9">
@@ -18231,7 +19618,15 @@
             </a:pPr>
             <a:r>
               <a:rPr lang="ru-RU" sz="2000" dirty="0"/>
-              <a:t>Домножим уравнения (1) на тестовые функции, проинтегрируем по области </a:t>
+              <a:t>Домножим уравнения (1) на тестовые функции из </a:t>
+            </a:r>
+            <a:r>
+              <a:rPr lang="ru-RU" sz="2000"/>
+              <a:t>пространства Соболева</a:t>
+            </a:r>
+            <a:r>
+              <a:rPr lang="ru-RU" sz="2000" dirty="0"/>
+              <a:t>, проинтегрируем по области </a:t>
             </a:r>
             <a:r>
               <a:rPr lang="ru-RU" sz="2000" dirty="0">
@@ -18241,8 +19636,14 @@
               <a:t>Ω</a:t>
             </a:r>
             <a:r>
+              <a:rPr lang="ru-RU" sz="2000" dirty="0">
+                <a:cs typeface="Times New Roman" panose="02020603050405020304" pitchFamily="18" charset="0"/>
+              </a:rPr>
+              <a:t>, </a:t>
+            </a:r>
+            <a:r>
               <a:rPr lang="ru-RU" sz="2000" dirty="0"/>
-              <a:t>, применим формулу интегрирования по частям. В результате приходим к следующей слабой формулировке задачи: </a:t>
+              <a:t>применим формулу интегрирования по частям. В результате приходим к следующей слабой формулировке задачи: </a:t>
             </a:r>
           </a:p>
           <a:p>
@@ -18269,7 +19670,7 @@
             </p:nvSpPr>
             <p:spPr>
               <a:xfrm>
-                <a:off x="2826347" y="4043032"/>
+                <a:off x="2826348" y="4144632"/>
                 <a:ext cx="6539304" cy="759888"/>
               </a:xfrm>
               <a:prstGeom prst="rect">
@@ -18677,7 +20078,7 @@
             </p:nvSpPr>
             <p:spPr>
               <a:xfrm>
-                <a:off x="2826347" y="4043032"/>
+                <a:off x="2826348" y="4144632"/>
                 <a:ext cx="6539304" cy="759888"/>
               </a:xfrm>
               <a:prstGeom prst="rect">
@@ -18721,7 +20122,7 @@
             </p:nvSpPr>
             <p:spPr>
               <a:xfrm>
-                <a:off x="3938009" y="4836127"/>
+                <a:off x="3938010" y="4937727"/>
                 <a:ext cx="4195403" cy="721672"/>
               </a:xfrm>
               <a:prstGeom prst="rect">
@@ -19004,7 +20405,7 @@
             </p:nvSpPr>
             <p:spPr>
               <a:xfrm>
-                <a:off x="3938009" y="4836127"/>
+                <a:off x="3938010" y="4937727"/>
                 <a:ext cx="4195403" cy="721672"/>
               </a:xfrm>
               <a:prstGeom prst="rect">
@@ -19032,8 +20433,8 @@
           </p:sp>
         </mc:Fallback>
       </mc:AlternateContent>
-      <mc:AlternateContent xmlns:mc="http://schemas.openxmlformats.org/markup-compatibility/2006">
-        <mc:Choice xmlns:a14="http://schemas.microsoft.com/office/drawing/2010/main" Requires="a14">
+      <mc:AlternateContent xmlns:mc="http://schemas.openxmlformats.org/markup-compatibility/2006" xmlns:a14="http://schemas.microsoft.com/office/drawing/2010/main">
+        <mc:Choice Requires="a14">
           <p:sp>
             <p:nvSpPr>
               <p:cNvPr id="8" name="TextBox 7">
@@ -19246,7 +20647,7 @@
             </p:txBody>
           </p:sp>
         </mc:Choice>
-        <mc:Fallback>
+        <mc:Fallback xmlns="">
           <p:sp>
             <p:nvSpPr>
               <p:cNvPr id="8" name="TextBox 7">
@@ -19364,8 +20765,8 @@
         </p:nvSpPr>
         <p:spPr>
           <a:xfrm>
-            <a:off x="2266281" y="5473238"/>
-            <a:ext cx="6790962" cy="338554"/>
+            <a:off x="1888830" y="5473238"/>
+            <a:ext cx="7061819" cy="338554"/>
           </a:xfrm>
           <a:prstGeom prst="rect">
             <a:avLst/>
@@ -19373,28 +20774,28 @@
           <a:noFill/>
         </p:spPr>
         <p:txBody>
-          <a:bodyPr wrap="none" rtlCol="0">
+          <a:bodyPr wrap="square" rtlCol="0">
             <a:spAutoFit/>
           </a:bodyPr>
           <a:lstStyle/>
           <a:p>
             <a:r>
               <a:rPr lang="ru-RU" sz="1600" dirty="0">
-                <a:latin typeface="Times New Roman" panose="02020603050405020304" pitchFamily="18" charset="0"/>
+                <a:latin typeface="+mj-lt"/>
                 <a:cs typeface="Times New Roman" panose="02020603050405020304" pitchFamily="18" charset="0"/>
               </a:rPr>
               <a:t>Продольная компонента скорости при коэффициенте деформации 0.4</a:t>
             </a:r>
             <a:r>
               <a:rPr lang="en-US" sz="1600" dirty="0">
-                <a:latin typeface="Times New Roman" panose="02020603050405020304" pitchFamily="18" charset="0"/>
+                <a:latin typeface="+mj-lt"/>
                 <a:cs typeface="Times New Roman" panose="02020603050405020304" pitchFamily="18" charset="0"/>
               </a:rPr>
               <a:t>;</a:t>
             </a:r>
             <a:r>
               <a:rPr lang="ru-RU" sz="1600" dirty="0">
-                <a:latin typeface="Times New Roman" panose="02020603050405020304" pitchFamily="18" charset="0"/>
+                <a:latin typeface="+mj-lt"/>
                 <a:cs typeface="Times New Roman" panose="02020603050405020304" pitchFamily="18" charset="0"/>
               </a:rPr>
               <a:t> мм/с</a:t>
@@ -19503,21 +20904,21 @@
           <a:p>
             <a:r>
               <a:rPr lang="ru-RU" sz="1600" dirty="0">
-                <a:latin typeface="Times New Roman" panose="02020603050405020304" pitchFamily="18" charset="0"/>
+                <a:latin typeface="+mj-lt"/>
                 <a:cs typeface="Times New Roman" panose="02020603050405020304" pitchFamily="18" charset="0"/>
               </a:rPr>
-              <a:t>Продольная компонента скорости при коэффициенте деформации 0</a:t>
+              <a:t>Продольная компонента скорости при коэффициенте деформации 0.0</a:t>
             </a:r>
             <a:r>
               <a:rPr lang="en-US" sz="1600" dirty="0">
-                <a:latin typeface="Times New Roman" panose="02020603050405020304" pitchFamily="18" charset="0"/>
+                <a:latin typeface="+mj-lt"/>
                 <a:cs typeface="Times New Roman" panose="02020603050405020304" pitchFamily="18" charset="0"/>
               </a:rPr>
               <a:t>;</a:t>
             </a:r>
             <a:r>
               <a:rPr lang="ru-RU" sz="1600" dirty="0">
-                <a:latin typeface="Times New Roman" panose="02020603050405020304" pitchFamily="18" charset="0"/>
+                <a:latin typeface="+mj-lt"/>
                 <a:cs typeface="Times New Roman" panose="02020603050405020304" pitchFamily="18" charset="0"/>
               </a:rPr>
               <a:t> мм/с</a:t>
@@ -19614,37 +21015,6 @@
           </a:p>
         </p:txBody>
       </p:sp>
-      <p:graphicFrame>
-        <p:nvGraphicFramePr>
-          <p:cNvPr id="7" name="Объект 6">
-            <a:extLst>
-              <a:ext uri="{FF2B5EF4-FFF2-40B4-BE49-F238E27FC236}">
-                <a16:creationId xmlns:a16="http://schemas.microsoft.com/office/drawing/2014/main" id="{85578C97-36F1-F8C1-E0D5-97D0E5EDED5A}"/>
-              </a:ext>
-            </a:extLst>
-          </p:cNvPr>
-          <p:cNvGraphicFramePr>
-            <a:graphicFrameLocks noGrp="1"/>
-          </p:cNvGraphicFramePr>
-          <p:nvPr>
-            <p:ph idx="1"/>
-            <p:extLst>
-              <p:ext uri="{D42A27DB-BD31-4B8C-83A1-F6EECF244321}">
-                <p14:modId xmlns:p14="http://schemas.microsoft.com/office/powerpoint/2010/main" val="3219065861"/>
-              </p:ext>
-            </p:extLst>
-          </p:nvPr>
-        </p:nvGraphicFramePr>
-        <p:xfrm>
-          <a:off x="581025" y="2839453"/>
-          <a:ext cx="11029950" cy="3625514"/>
-        </p:xfrm>
-        <a:graphic>
-          <a:graphicData uri="http://schemas.openxmlformats.org/drawingml/2006/chart">
-            <c:chart xmlns:c="http://schemas.openxmlformats.org/drawingml/2006/chart" xmlns:r="http://schemas.openxmlformats.org/officeDocument/2006/relationships" r:id="rId2"/>
-          </a:graphicData>
-        </a:graphic>
-      </p:graphicFrame>
       <p:sp>
         <p:nvSpPr>
           <p:cNvPr id="12" name="Прямоугольник 11">
@@ -19681,8 +21051,8 @@
           </a:p>
         </p:txBody>
       </p:sp>
-      <mc:AlternateContent xmlns:mc="http://schemas.openxmlformats.org/markup-compatibility/2006">
-        <mc:Choice xmlns:a14="http://schemas.microsoft.com/office/drawing/2010/main" Requires="a14">
+      <mc:AlternateContent xmlns:mc="http://schemas.openxmlformats.org/markup-compatibility/2006" xmlns:a14="http://schemas.microsoft.com/office/drawing/2010/main">
+        <mc:Choice Requires="a14">
           <p:sp>
             <p:nvSpPr>
               <p:cNvPr id="13" name="TextBox 12">
@@ -19978,7 +21348,7 @@
             </p:txBody>
           </p:sp>
         </mc:Choice>
-        <mc:Fallback>
+        <mc:Fallback xmlns="">
           <p:sp>
             <p:nvSpPr>
               <p:cNvPr id="13" name="TextBox 12">
@@ -20064,6 +21434,37 @@
           </a:p>
         </p:txBody>
       </p:sp>
+      <p:graphicFrame>
+        <p:nvGraphicFramePr>
+          <p:cNvPr id="5" name="Объект 4">
+            <a:extLst>
+              <a:ext uri="{FF2B5EF4-FFF2-40B4-BE49-F238E27FC236}">
+                <a16:creationId xmlns:a16="http://schemas.microsoft.com/office/drawing/2014/main" id="{85578C97-36F1-F8C1-E0D5-97D0E5EDED5A}"/>
+              </a:ext>
+            </a:extLst>
+          </p:cNvPr>
+          <p:cNvGraphicFramePr>
+            <a:graphicFrameLocks noGrp="1"/>
+          </p:cNvGraphicFramePr>
+          <p:nvPr>
+            <p:ph idx="1"/>
+            <p:extLst>
+              <p:ext uri="{D42A27DB-BD31-4B8C-83A1-F6EECF244321}">
+                <p14:modId xmlns:p14="http://schemas.microsoft.com/office/powerpoint/2010/main" val="189024596"/>
+              </p:ext>
+            </p:extLst>
+          </p:nvPr>
+        </p:nvGraphicFramePr>
+        <p:xfrm>
+          <a:off x="581025" y="3061252"/>
+          <a:ext cx="11029950" cy="3458817"/>
+        </p:xfrm>
+        <a:graphic>
+          <a:graphicData uri="http://schemas.openxmlformats.org/drawingml/2006/chart">
+            <c:chart xmlns:c="http://schemas.openxmlformats.org/drawingml/2006/chart" xmlns:r="http://schemas.openxmlformats.org/officeDocument/2006/relationships" r:id="rId4"/>
+          </a:graphicData>
+        </a:graphic>
+      </p:graphicFrame>
     </p:spTree>
     <p:extLst>
       <p:ext uri="{BB962C8B-B14F-4D97-AF65-F5344CB8AC3E}">
@@ -20110,14 +21511,19 @@
             <p:ph type="body" idx="1"/>
           </p:nvPr>
         </p:nvSpPr>
-        <p:spPr/>
+        <p:spPr>
+          <a:xfrm>
+            <a:off x="581025" y="2250892"/>
+            <a:ext cx="5393269" cy="536005"/>
+          </a:xfrm>
+        </p:spPr>
         <p:txBody>
           <a:bodyPr/>
           <a:lstStyle/>
           <a:p>
             <a:r>
               <a:rPr lang="ru-RU" dirty="0"/>
-              <a:t>Скорость потока</a:t>
+              <a:t>Эффективная вязкость</a:t>
             </a:r>
           </a:p>
         </p:txBody>
@@ -20138,14 +21544,19 @@
             <p:ph type="body" sz="quarter" idx="3"/>
           </p:nvPr>
         </p:nvSpPr>
-        <p:spPr/>
+        <p:spPr>
+          <a:xfrm>
+            <a:off x="7375993" y="2250892"/>
+            <a:ext cx="4234815" cy="553373"/>
+          </a:xfrm>
+        </p:spPr>
         <p:txBody>
           <a:bodyPr/>
           <a:lstStyle/>
           <a:p>
             <a:r>
               <a:rPr lang="ru-RU" dirty="0"/>
-              <a:t>Относительная погрешность</a:t>
+              <a:t>Скорость потока</a:t>
             </a:r>
           </a:p>
         </p:txBody>
@@ -20189,7 +21600,7 @@
       </p:sp>
       <p:graphicFrame>
         <p:nvGraphicFramePr>
-          <p:cNvPr id="8" name="Объект 7">
+          <p:cNvPr id="11" name="Объект 10">
             <a:extLst>
               <a:ext uri="{FF2B5EF4-FFF2-40B4-BE49-F238E27FC236}">
                 <a16:creationId xmlns:a16="http://schemas.microsoft.com/office/drawing/2014/main" id="{872FEB81-97E5-1813-50E0-CABC1B44A2E8}"/>
@@ -20201,11 +21612,16 @@
           </p:cNvGraphicFramePr>
           <p:nvPr>
             <p:ph sz="half" idx="2"/>
+            <p:extLst>
+              <p:ext uri="{D42A27DB-BD31-4B8C-83A1-F6EECF244321}">
+                <p14:modId xmlns:p14="http://schemas.microsoft.com/office/powerpoint/2010/main" val="3906410460"/>
+              </p:ext>
+            </p:extLst>
           </p:nvPr>
         </p:nvGraphicFramePr>
         <p:xfrm>
           <a:off x="581025" y="2925763"/>
-          <a:ext cx="5392738" cy="2935287"/>
+          <a:ext cx="5311775" cy="2935287"/>
         </p:xfrm>
         <a:graphic>
           <a:graphicData uri="http://schemas.openxmlformats.org/drawingml/2006/chart">
@@ -20215,10 +21631,10 @@
       </p:graphicFrame>
       <p:graphicFrame>
         <p:nvGraphicFramePr>
-          <p:cNvPr id="9" name="Объект 8">
+          <p:cNvPr id="12" name="Объект 11">
             <a:extLst>
               <a:ext uri="{FF2B5EF4-FFF2-40B4-BE49-F238E27FC236}">
-                <a16:creationId xmlns:a16="http://schemas.microsoft.com/office/drawing/2014/main" id="{602BB1DF-3E5C-2D64-0C45-EE948131D8EF}"/>
+                <a16:creationId xmlns:a16="http://schemas.microsoft.com/office/drawing/2014/main" id="{4E4168A1-E98F-493C-83DD-490101C478C3}"/>
               </a:ext>
             </a:extLst>
           </p:cNvPr>
@@ -20227,11 +21643,16 @@
           </p:cNvGraphicFramePr>
           <p:nvPr>
             <p:ph sz="quarter" idx="4"/>
+            <p:extLst>
+              <p:ext uri="{D42A27DB-BD31-4B8C-83A1-F6EECF244321}">
+                <p14:modId xmlns:p14="http://schemas.microsoft.com/office/powerpoint/2010/main" val="660469127"/>
+              </p:ext>
+            </p:extLst>
           </p:nvPr>
         </p:nvGraphicFramePr>
         <p:xfrm>
-          <a:off x="6218238" y="2925763"/>
-          <a:ext cx="5392737" cy="2935287"/>
+          <a:off x="6299200" y="2925763"/>
+          <a:ext cx="5311775" cy="2935287"/>
         </p:xfrm>
         <a:graphic>
           <a:graphicData uri="http://schemas.openxmlformats.org/drawingml/2006/chart">
@@ -20239,6 +21660,271 @@
           </a:graphicData>
         </a:graphic>
       </p:graphicFrame>
+      <mc:AlternateContent xmlns:mc="http://schemas.openxmlformats.org/markup-compatibility/2006" xmlns:a14="http://schemas.microsoft.com/office/drawing/2010/main">
+        <mc:Choice Requires="a14">
+          <p:sp>
+            <p:nvSpPr>
+              <p:cNvPr id="17" name="TextBox 16">
+                <a:extLst>
+                  <a:ext uri="{FF2B5EF4-FFF2-40B4-BE49-F238E27FC236}">
+                    <a16:creationId xmlns:a16="http://schemas.microsoft.com/office/drawing/2014/main" id="{8F8CEE7D-3040-D279-5519-7149BB1BCE21}"/>
+                  </a:ext>
+                </a:extLst>
+              </p:cNvPr>
+              <p:cNvSpPr txBox="1"/>
+              <p:nvPr/>
+            </p:nvSpPr>
+            <p:spPr>
+              <a:xfrm>
+                <a:off x="4815923" y="5982548"/>
+                <a:ext cx="2560153" cy="693395"/>
+              </a:xfrm>
+              <a:prstGeom prst="rect">
+                <a:avLst/>
+              </a:prstGeom>
+              <a:noFill/>
+            </p:spPr>
+            <p:txBody>
+              <a:bodyPr wrap="square">
+                <a:spAutoFit/>
+              </a:bodyPr>
+              <a:lstStyle/>
+              <a:p>
+                <a:pPr/>
+                <a14:m>
+                  <m:oMathPara xmlns:m="http://schemas.openxmlformats.org/officeDocument/2006/math">
+                    <m:oMathParaPr>
+                      <m:jc m:val="centerGroup"/>
+                    </m:oMathParaPr>
+                    <m:oMath xmlns:m="http://schemas.openxmlformats.org/officeDocument/2006/math">
+                      <m:sSub>
+                        <m:sSubPr>
+                          <m:ctrlPr>
+                            <a:rPr lang="ru-RU" i="1" smtClean="0">
+                              <a:solidFill>
+                                <a:srgbClr val="836967"/>
+                              </a:solidFill>
+                              <a:latin typeface="Cambria Math" panose="02040503050406030204" pitchFamily="18" charset="0"/>
+                            </a:rPr>
+                          </m:ctrlPr>
+                        </m:sSubPr>
+                        <m:e>
+                          <m:r>
+                            <m:rPr>
+                              <m:sty m:val="p"/>
+                            </m:rPr>
+                            <a:rPr lang="ru-RU">
+                              <a:latin typeface="Cambria Math" panose="02040503050406030204" pitchFamily="18" charset="0"/>
+                            </a:rPr>
+                            <m:t>μ</m:t>
+                          </m:r>
+                        </m:e>
+                        <m:sub>
+                          <m:r>
+                            <a:rPr lang="ru-RU" i="1">
+                              <a:latin typeface="Cambria Math" panose="02040503050406030204" pitchFamily="18" charset="0"/>
+                            </a:rPr>
+                            <m:t>𝑎𝑝𝑝</m:t>
+                          </m:r>
+                        </m:sub>
+                      </m:sSub>
+                      <m:r>
+                        <a:rPr lang="ru-RU" i="0">
+                          <a:latin typeface="Cambria Math" panose="02040503050406030204" pitchFamily="18" charset="0"/>
+                        </a:rPr>
+                        <m:t>=</m:t>
+                      </m:r>
+                      <m:f>
+                        <m:fPr>
+                          <m:ctrlPr>
+                            <a:rPr lang="ru-RU" i="1">
+                              <a:solidFill>
+                                <a:srgbClr val="836967"/>
+                              </a:solidFill>
+                              <a:latin typeface="Cambria Math" panose="02040503050406030204" pitchFamily="18" charset="0"/>
+                            </a:rPr>
+                          </m:ctrlPr>
+                        </m:fPr>
+                        <m:num>
+                          <m:r>
+                            <m:rPr>
+                              <m:sty m:val="p"/>
+                            </m:rPr>
+                            <a:rPr lang="ru-RU" i="0">
+                              <a:latin typeface="Cambria Math" panose="02040503050406030204" pitchFamily="18" charset="0"/>
+                            </a:rPr>
+                            <m:t>π</m:t>
+                          </m:r>
+                        </m:num>
+                        <m:den>
+                          <m:r>
+                            <a:rPr lang="ru-RU" i="0">
+                              <a:latin typeface="Cambria Math" panose="02040503050406030204" pitchFamily="18" charset="0"/>
+                            </a:rPr>
+                            <m:t>8</m:t>
+                          </m:r>
+                        </m:den>
+                      </m:f>
+                      <m:r>
+                        <a:rPr lang="ru-RU" i="0">
+                          <a:latin typeface="Cambria Math" panose="02040503050406030204" pitchFamily="18" charset="0"/>
+                        </a:rPr>
+                        <m:t>⋅</m:t>
+                      </m:r>
+                      <m:f>
+                        <m:fPr>
+                          <m:ctrlPr>
+                            <a:rPr lang="ru-RU" i="1">
+                              <a:solidFill>
+                                <a:srgbClr val="836967"/>
+                              </a:solidFill>
+                              <a:latin typeface="Cambria Math" panose="02040503050406030204" pitchFamily="18" charset="0"/>
+                            </a:rPr>
+                          </m:ctrlPr>
+                        </m:fPr>
+                        <m:num>
+                          <m:sSubSup>
+                            <m:sSubSupPr>
+                              <m:ctrlPr>
+                                <a:rPr lang="ru-RU" i="1">
+                                  <a:solidFill>
+                                    <a:srgbClr val="836967"/>
+                                  </a:solidFill>
+                                  <a:latin typeface="Cambria Math" panose="02040503050406030204" pitchFamily="18" charset="0"/>
+                                </a:rPr>
+                              </m:ctrlPr>
+                            </m:sSubSupPr>
+                            <m:e>
+                              <m:r>
+                                <a:rPr lang="ru-RU" i="1">
+                                  <a:latin typeface="Cambria Math" panose="02040503050406030204" pitchFamily="18" charset="0"/>
+                                </a:rPr>
+                                <m:t>𝑟</m:t>
+                              </m:r>
+                            </m:e>
+                            <m:sub>
+                              <m:r>
+                                <a:rPr lang="ru-RU" i="1">
+                                  <a:latin typeface="Cambria Math" panose="02040503050406030204" pitchFamily="18" charset="0"/>
+                                </a:rPr>
+                                <m:t>𝐶</m:t>
+                              </m:r>
+                            </m:sub>
+                            <m:sup>
+                              <m:r>
+                                <a:rPr lang="ru-RU" i="0">
+                                  <a:latin typeface="Cambria Math" panose="02040503050406030204" pitchFamily="18" charset="0"/>
+                                </a:rPr>
+                                <m:t>4</m:t>
+                              </m:r>
+                            </m:sup>
+                          </m:sSubSup>
+                        </m:num>
+                        <m:den>
+                          <m:r>
+                            <a:rPr lang="ru-RU" i="1">
+                              <a:latin typeface="Cambria Math" panose="02040503050406030204" pitchFamily="18" charset="0"/>
+                            </a:rPr>
+                            <m:t>𝐿</m:t>
+                          </m:r>
+                        </m:den>
+                      </m:f>
+                      <m:r>
+                        <a:rPr lang="ru-RU" i="0">
+                          <a:latin typeface="Cambria Math" panose="02040503050406030204" pitchFamily="18" charset="0"/>
+                        </a:rPr>
+                        <m:t>⋅</m:t>
+                      </m:r>
+                      <m:f>
+                        <m:fPr>
+                          <m:ctrlPr>
+                            <a:rPr lang="ru-RU" i="1">
+                              <a:solidFill>
+                                <a:srgbClr val="836967"/>
+                              </a:solidFill>
+                              <a:latin typeface="Cambria Math" panose="02040503050406030204" pitchFamily="18" charset="0"/>
+                            </a:rPr>
+                          </m:ctrlPr>
+                        </m:fPr>
+                        <m:num>
+                          <m:r>
+                            <m:rPr>
+                              <m:sty m:val="p"/>
+                            </m:rPr>
+                            <a:rPr lang="ru-RU" i="0">
+                              <a:latin typeface="Cambria Math" panose="02040503050406030204" pitchFamily="18" charset="0"/>
+                            </a:rPr>
+                            <m:t>Δ</m:t>
+                          </m:r>
+                          <m:r>
+                            <a:rPr lang="ru-RU" i="1">
+                              <a:latin typeface="Cambria Math" panose="02040503050406030204" pitchFamily="18" charset="0"/>
+                            </a:rPr>
+                            <m:t>𝑝</m:t>
+                          </m:r>
+                        </m:num>
+                        <m:den>
+                          <m:r>
+                            <a:rPr lang="ru-RU" i="1">
+                              <a:latin typeface="Cambria Math" panose="02040503050406030204" pitchFamily="18" charset="0"/>
+                            </a:rPr>
+                            <m:t>𝑄</m:t>
+                          </m:r>
+                        </m:den>
+                      </m:f>
+                    </m:oMath>
+                  </m:oMathPara>
+                </a14:m>
+                <a:endParaRPr lang="ru-RU" dirty="0"/>
+              </a:p>
+            </p:txBody>
+          </p:sp>
+        </mc:Choice>
+        <mc:Fallback xmlns="">
+          <p:sp>
+            <p:nvSpPr>
+              <p:cNvPr id="17" name="TextBox 16">
+                <a:extLst>
+                  <a:ext uri="{FF2B5EF4-FFF2-40B4-BE49-F238E27FC236}">
+                    <a16:creationId xmlns:a16="http://schemas.microsoft.com/office/drawing/2014/main" id="{8F8CEE7D-3040-D279-5519-7149BB1BCE21}"/>
+                  </a:ext>
+                </a:extLst>
+              </p:cNvPr>
+              <p:cNvSpPr txBox="1">
+                <a:spLocks noRot="1" noChangeAspect="1" noMove="1" noResize="1" noEditPoints="1" noAdjustHandles="1" noChangeArrowheads="1" noChangeShapeType="1" noTextEdit="1"/>
+              </p:cNvSpPr>
+              <p:nvPr/>
+            </p:nvSpPr>
+            <p:spPr>
+              <a:xfrm>
+                <a:off x="4815923" y="5982548"/>
+                <a:ext cx="2560153" cy="693395"/>
+              </a:xfrm>
+              <a:prstGeom prst="rect">
+                <a:avLst/>
+              </a:prstGeom>
+              <a:blipFill>
+                <a:blip r:embed="rId4"/>
+                <a:stretch>
+                  <a:fillRect/>
+                </a:stretch>
+              </a:blipFill>
+            </p:spPr>
+            <p:txBody>
+              <a:bodyPr/>
+              <a:lstStyle/>
+              <a:p>
+                <a:r>
+                  <a:rPr lang="ru-RU">
+                    <a:noFill/>
+                  </a:rPr>
+                  <a:t> </a:t>
+                </a:r>
+              </a:p>
+            </p:txBody>
+          </p:sp>
+        </mc:Fallback>
+      </mc:AlternateContent>
     </p:spTree>
     <p:extLst>
       <p:ext uri="{BB962C8B-B14F-4D97-AF65-F5344CB8AC3E}">

--- a/f_docs/Презентация.pptx
+++ b/f_docs/Презентация.pptx
@@ -5149,7 +5149,7 @@
           <a:p>
             <a:fld id="{4FB39D85-4F6E-4A19-81D4-36E991D83482}" type="datetimeFigureOut">
               <a:rPr lang="ru-RU" smtClean="0"/>
-              <a:t>24.04.2024</a:t>
+              <a:t>25.04.2024</a:t>
             </a:fld>
             <a:endParaRPr lang="ru-RU"/>
           </a:p>
@@ -6003,7 +6003,7 @@
           <a:p>
             <a:fld id="{966C2830-9D22-4CBC-B504-F822101AA42E}" type="datetimeFigureOut">
               <a:rPr lang="ru-RU" smtClean="0"/>
-              <a:t>24.04.2024</a:t>
+              <a:t>25.04.2024</a:t>
             </a:fld>
             <a:endParaRPr lang="ru-RU"/>
           </a:p>
@@ -6265,7 +6265,7 @@
           <a:p>
             <a:fld id="{966C2830-9D22-4CBC-B504-F822101AA42E}" type="datetimeFigureOut">
               <a:rPr lang="ru-RU" smtClean="0"/>
-              <a:t>24.04.2024</a:t>
+              <a:t>25.04.2024</a:t>
             </a:fld>
             <a:endParaRPr lang="ru-RU"/>
           </a:p>
@@ -6500,7 +6500,7 @@
           <a:p>
             <a:fld id="{966C2830-9D22-4CBC-B504-F822101AA42E}" type="datetimeFigureOut">
               <a:rPr lang="ru-RU" smtClean="0"/>
-              <a:t>24.04.2024</a:t>
+              <a:t>25.04.2024</a:t>
             </a:fld>
             <a:endParaRPr lang="ru-RU"/>
           </a:p>
@@ -6740,7 +6740,7 @@
           <a:p>
             <a:fld id="{966C2830-9D22-4CBC-B504-F822101AA42E}" type="datetimeFigureOut">
               <a:rPr lang="ru-RU" smtClean="0"/>
-              <a:t>24.04.2024</a:t>
+              <a:t>25.04.2024</a:t>
             </a:fld>
             <a:endParaRPr lang="ru-RU"/>
           </a:p>
@@ -7047,7 +7047,7 @@
           <a:p>
             <a:fld id="{966C2830-9D22-4CBC-B504-F822101AA42E}" type="datetimeFigureOut">
               <a:rPr lang="ru-RU" smtClean="0"/>
-              <a:t>24.04.2024</a:t>
+              <a:t>25.04.2024</a:t>
             </a:fld>
             <a:endParaRPr lang="ru-RU"/>
           </a:p>
@@ -7349,7 +7349,7 @@
           <a:p>
             <a:fld id="{966C2830-9D22-4CBC-B504-F822101AA42E}" type="datetimeFigureOut">
               <a:rPr lang="ru-RU" smtClean="0"/>
-              <a:t>24.04.2024</a:t>
+              <a:t>25.04.2024</a:t>
             </a:fld>
             <a:endParaRPr lang="ru-RU"/>
           </a:p>
@@ -7771,7 +7771,7 @@
           <a:p>
             <a:fld id="{966C2830-9D22-4CBC-B504-F822101AA42E}" type="datetimeFigureOut">
               <a:rPr lang="ru-RU" smtClean="0"/>
-              <a:t>24.04.2024</a:t>
+              <a:t>25.04.2024</a:t>
             </a:fld>
             <a:endParaRPr lang="ru-RU"/>
           </a:p>
@@ -7933,7 +7933,7 @@
           <a:p>
             <a:fld id="{966C2830-9D22-4CBC-B504-F822101AA42E}" type="datetimeFigureOut">
               <a:rPr lang="ru-RU" smtClean="0"/>
-              <a:t>24.04.2024</a:t>
+              <a:t>25.04.2024</a:t>
             </a:fld>
             <a:endParaRPr lang="ru-RU"/>
           </a:p>
@@ -8028,7 +8028,7 @@
           <a:p>
             <a:fld id="{966C2830-9D22-4CBC-B504-F822101AA42E}" type="datetimeFigureOut">
               <a:rPr lang="ru-RU" smtClean="0"/>
-              <a:t>24.04.2024</a:t>
+              <a:t>25.04.2024</a:t>
             </a:fld>
             <a:endParaRPr lang="ru-RU"/>
           </a:p>
@@ -8406,7 +8406,7 @@
           <a:p>
             <a:fld id="{966C2830-9D22-4CBC-B504-F822101AA42E}" type="datetimeFigureOut">
               <a:rPr lang="ru-RU" smtClean="0"/>
-              <a:t>24.04.2024</a:t>
+              <a:t>25.04.2024</a:t>
             </a:fld>
             <a:endParaRPr lang="ru-RU"/>
           </a:p>
@@ -8695,7 +8695,7 @@
           <a:p>
             <a:fld id="{966C2830-9D22-4CBC-B504-F822101AA42E}" type="datetimeFigureOut">
               <a:rPr lang="ru-RU" smtClean="0"/>
-              <a:t>24.04.2024</a:t>
+              <a:t>25.04.2024</a:t>
             </a:fld>
             <a:endParaRPr lang="ru-RU"/>
           </a:p>
@@ -8906,7 +8906,7 @@
           <a:p>
             <a:fld id="{966C2830-9D22-4CBC-B504-F822101AA42E}" type="datetimeFigureOut">
               <a:rPr lang="ru-RU" smtClean="0"/>
-              <a:t>24.04.2024</a:t>
+              <a:t>25.04.2024</a:t>
             </a:fld>
             <a:endParaRPr lang="ru-RU"/>
           </a:p>
@@ -10759,7 +10759,7 @@
           <a:p>
             <a:r>
               <a:rPr lang="ru-RU" sz="2400" dirty="0"/>
-              <a:t>Моделирование движения крови в сосудистой сети мозга является важной составляющей для предсказания ситуаций, связанных с гипоксией.</a:t>
+              <a:t>Моделирование потока крови в сосудистой сети мозга является важной составляющей для предсказания ситуаций, связанных с гипоксией.</a:t>
             </a:r>
           </a:p>
           <a:p>
@@ -11382,8 +11382,8 @@
           </a:p>
         </p:txBody>
       </p:sp>
-      <mc:AlternateContent xmlns:mc="http://schemas.openxmlformats.org/markup-compatibility/2006" xmlns:a14="http://schemas.microsoft.com/office/drawing/2010/main">
-        <mc:Choice Requires="a14">
+      <mc:AlternateContent xmlns:mc="http://schemas.openxmlformats.org/markup-compatibility/2006">
+        <mc:Choice xmlns:a14="http://schemas.microsoft.com/office/drawing/2010/main" Requires="a14">
           <p:sp>
             <p:nvSpPr>
               <p:cNvPr id="6" name="Объект 5">
@@ -11416,18 +11416,18 @@
                   <a:buNone/>
                 </a:pPr>
                 <a:r>
-                  <a:rPr lang="ru-RU" dirty="0"/>
+                  <a:rPr lang="ru-RU" sz="1400" dirty="0"/>
                   <a:t>С учетом угловой симметрии, движение крови рассматривается в области </a:t>
                 </a:r>
                 <a:r>
-                  <a:rPr lang="ru-RU" sz="1800" dirty="0">
+                  <a:rPr lang="ru-RU" sz="1400" dirty="0">
                     <a:latin typeface="Times New Roman" panose="02020603050405020304" pitchFamily="18" charset="0"/>
                     <a:cs typeface="Times New Roman" panose="02020603050405020304" pitchFamily="18" charset="0"/>
                   </a:rPr>
                   <a:t>Ω</a:t>
                 </a:r>
                 <a:r>
-                  <a:rPr lang="ru-RU" dirty="0"/>
+                  <a:rPr lang="ru-RU" sz="1400" dirty="0"/>
                   <a:t>, в плоскости двух цилиндрических координат: радиальной </a:t>
                 </a:r>
                 <a14:m>
@@ -11435,7 +11435,7 @@
                     <m:sSub>
                       <m:sSubPr>
                         <m:ctrlPr>
-                          <a:rPr lang="ru-RU" sz="1800" i="1" smtClean="0">
+                          <a:rPr lang="ru-RU" sz="1400" i="1" smtClean="0">
                             <a:latin typeface="Cambria Math" panose="02040503050406030204" pitchFamily="18" charset="0"/>
                             <a:cs typeface="Times New Roman" panose="02020603050405020304" pitchFamily="18" charset="0"/>
                           </a:rPr>
@@ -11443,7 +11443,7 @@
                       </m:sSubPr>
                       <m:e>
                         <m:r>
-                          <a:rPr lang="en-US" sz="1800" b="0" i="1" smtClean="0">
+                          <a:rPr lang="en-US" sz="1400" b="0" i="1" smtClean="0">
                             <a:latin typeface="Cambria Math" panose="02040503050406030204" pitchFamily="18" charset="0"/>
                             <a:cs typeface="Times New Roman" panose="02020603050405020304" pitchFamily="18" charset="0"/>
                           </a:rPr>
@@ -11452,7 +11452,7 @@
                       </m:e>
                       <m:sub>
                         <m:r>
-                          <a:rPr lang="en-US" sz="1800" b="0" i="1" smtClean="0">
+                          <a:rPr lang="en-US" sz="1400" b="0" i="1" smtClean="0">
                             <a:latin typeface="Cambria Math" panose="02040503050406030204" pitchFamily="18" charset="0"/>
                             <a:cs typeface="Times New Roman" panose="02020603050405020304" pitchFamily="18" charset="0"/>
                           </a:rPr>
@@ -11463,14 +11463,14 @@
                   </m:oMath>
                 </a14:m>
                 <a:r>
-                  <a:rPr lang="en-US" sz="1800" dirty="0">
+                  <a:rPr lang="en-US" sz="1400" dirty="0">
                     <a:latin typeface="Times New Roman" panose="02020603050405020304" pitchFamily="18" charset="0"/>
                     <a:cs typeface="Times New Roman" panose="02020603050405020304" pitchFamily="18" charset="0"/>
                   </a:rPr>
                   <a:t> </a:t>
                 </a:r>
                 <a:r>
-                  <a:rPr lang="ru-RU" dirty="0"/>
+                  <a:rPr lang="ru-RU" sz="1400" dirty="0"/>
                   <a:t>и продольной </a:t>
                 </a:r>
                 <a14:m>
@@ -11478,14 +11478,14 @@
                     <m:sSub>
                       <m:sSubPr>
                         <m:ctrlPr>
-                          <a:rPr lang="ru-RU" i="1">
+                          <a:rPr lang="ru-RU" sz="1400" i="1">
                             <a:latin typeface="Cambria Math" panose="02040503050406030204" pitchFamily="18" charset="0"/>
                           </a:rPr>
                         </m:ctrlPr>
                       </m:sSubPr>
                       <m:e>
                         <m:r>
-                          <a:rPr lang="en-US" i="1">
+                          <a:rPr lang="en-US" sz="1400" i="1">
                             <a:latin typeface="Cambria Math" panose="02040503050406030204" pitchFamily="18" charset="0"/>
                           </a:rPr>
                           <m:t>𝑥</m:t>
@@ -11493,7 +11493,7 @@
                       </m:e>
                       <m:sub>
                         <m:r>
-                          <a:rPr lang="en-US" i="1">
+                          <a:rPr lang="en-US" sz="1400" i="1">
                             <a:latin typeface="Cambria Math" panose="02040503050406030204" pitchFamily="18" charset="0"/>
                           </a:rPr>
                           <m:t>2</m:t>
@@ -11503,14 +11503,14 @@
                   </m:oMath>
                 </a14:m>
                 <a:r>
-                  <a:rPr lang="ru-RU" dirty="0"/>
+                  <a:rPr lang="ru-RU" sz="1400" dirty="0"/>
                   <a:t>.</a:t>
                 </a:r>
               </a:p>
             </p:txBody>
           </p:sp>
         </mc:Choice>
-        <mc:Fallback xmlns="">
+        <mc:Fallback>
           <p:sp>
             <p:nvSpPr>
               <p:cNvPr id="6" name="Объект 5">
@@ -11535,7 +11535,7 @@
               <a:blipFill>
                 <a:blip r:embed="rId3"/>
                 <a:stretch>
-                  <a:fillRect l="-958" t="-2381" b="-476"/>
+                  <a:fillRect l="-359" t="-476" r="-838"/>
                 </a:stretch>
               </a:blipFill>
             </p:spPr>
@@ -17942,8 +17942,8 @@
           </a:p>
         </p:txBody>
       </p:sp>
-      <mc:AlternateContent xmlns:mc="http://schemas.openxmlformats.org/markup-compatibility/2006" xmlns:a14="http://schemas.microsoft.com/office/drawing/2010/main">
-        <mc:Choice Requires="a14">
+      <mc:AlternateContent xmlns:mc="http://schemas.openxmlformats.org/markup-compatibility/2006">
+        <mc:Choice xmlns:a14="http://schemas.microsoft.com/office/drawing/2010/main" Requires="a14">
           <p:sp>
             <p:nvSpPr>
               <p:cNvPr id="3" name="Объект 2">
@@ -18818,14 +18818,14 @@
                   <a:rPr lang="ru-RU" sz="1600" dirty="0">
                     <a:cs typeface="Times New Roman" panose="02020603050405020304" pitchFamily="18" charset="0"/>
                   </a:rPr>
-                  <a:t>В цилиндрической системе координат при угловой симметрии, тензор скоростей деформации и дивергенция выглядит следующим образом:</a:t>
+                  <a:t>В цилиндрической системе координат при осевой симметрии, тензор скоростей деформации и дивергенция выглядит следующим образом:</a:t>
                 </a:r>
                 <a:endParaRPr lang="ru-RU" sz="1600" dirty="0"/>
               </a:p>
             </p:txBody>
           </p:sp>
         </mc:Choice>
-        <mc:Fallback xmlns="">
+        <mc:Fallback>
           <p:sp>
             <p:nvSpPr>
               <p:cNvPr id="3" name="Объект 2">
@@ -19175,8 +19175,8 @@
         </p:nvSpPr>
         <p:spPr>
           <a:xfrm>
-            <a:off x="2639086" y="6190031"/>
-            <a:ext cx="3760838" cy="400110"/>
+            <a:off x="2760130" y="6202010"/>
+            <a:ext cx="3639794" cy="338554"/>
           </a:xfrm>
           <a:prstGeom prst="rect">
             <a:avLst/>
@@ -19184,13 +19184,13 @@
           <a:noFill/>
         </p:spPr>
         <p:txBody>
-          <a:bodyPr wrap="none" rtlCol="0">
+          <a:bodyPr wrap="square" rtlCol="0">
             <a:spAutoFit/>
           </a:bodyPr>
           <a:lstStyle/>
           <a:p>
             <a:r>
-              <a:rPr lang="ru-RU" sz="2000" dirty="0">
+              <a:rPr lang="ru-RU" sz="1600" dirty="0">
                 <a:cs typeface="Times New Roman" panose="02020603050405020304" pitchFamily="18" charset="0"/>
               </a:rPr>
               <a:t>Значение переменной вязкости:</a:t>
@@ -19198,8 +19198,8 @@
           </a:p>
         </p:txBody>
       </p:sp>
-      <mc:AlternateContent xmlns:mc="http://schemas.openxmlformats.org/markup-compatibility/2006">
-        <mc:Choice xmlns:a14="http://schemas.microsoft.com/office/drawing/2010/main" Requires="a14">
+      <mc:AlternateContent xmlns:mc="http://schemas.openxmlformats.org/markup-compatibility/2006" xmlns:a14="http://schemas.microsoft.com/office/drawing/2010/main">
+        <mc:Choice Requires="a14">
           <p:sp>
             <p:nvSpPr>
               <p:cNvPr id="9" name="TextBox 8">
@@ -19362,7 +19362,7 @@
             </p:txBody>
           </p:sp>
         </mc:Choice>
-        <mc:Fallback>
+        <mc:Fallback xmlns="">
           <p:sp>
             <p:nvSpPr>
               <p:cNvPr id="9" name="TextBox 8">
@@ -19618,15 +19618,7 @@
             </a:pPr>
             <a:r>
               <a:rPr lang="ru-RU" sz="2000" dirty="0"/>
-              <a:t>Домножим уравнения (1) на тестовые функции из </a:t>
-            </a:r>
-            <a:r>
-              <a:rPr lang="ru-RU" sz="2000"/>
-              <a:t>пространства Соболева</a:t>
-            </a:r>
-            <a:r>
-              <a:rPr lang="ru-RU" sz="2000" dirty="0"/>
-              <a:t>, проинтегрируем по области </a:t>
+              <a:t>Домножим уравнения (1) на тестовые функции из пространства Соболева, проинтегрируем по области </a:t>
             </a:r>
             <a:r>
               <a:rPr lang="ru-RU" sz="2000" dirty="0">
@@ -19654,8 +19646,8 @@
           </a:p>
         </p:txBody>
       </p:sp>
-      <mc:AlternateContent xmlns:mc="http://schemas.openxmlformats.org/markup-compatibility/2006">
-        <mc:Choice xmlns:a14="http://schemas.microsoft.com/office/drawing/2010/main" Requires="a14">
+      <mc:AlternateContent xmlns:mc="http://schemas.openxmlformats.org/markup-compatibility/2006" xmlns:a14="http://schemas.microsoft.com/office/drawing/2010/main">
+        <mc:Choice Requires="a14">
           <p:sp>
             <p:nvSpPr>
               <p:cNvPr id="4" name="TextBox 3">
@@ -20061,7 +20053,7 @@
             </p:txBody>
           </p:sp>
         </mc:Choice>
-        <mc:Fallback>
+        <mc:Fallback xmlns="">
           <p:sp>
             <p:nvSpPr>
               <p:cNvPr id="4" name="TextBox 3">
@@ -20106,8 +20098,8 @@
           </p:sp>
         </mc:Fallback>
       </mc:AlternateContent>
-      <mc:AlternateContent xmlns:mc="http://schemas.openxmlformats.org/markup-compatibility/2006">
-        <mc:Choice xmlns:a14="http://schemas.microsoft.com/office/drawing/2010/main" Requires="a14">
+      <mc:AlternateContent xmlns:mc="http://schemas.openxmlformats.org/markup-compatibility/2006" xmlns:a14="http://schemas.microsoft.com/office/drawing/2010/main">
+        <mc:Choice Requires="a14">
           <p:sp>
             <p:nvSpPr>
               <p:cNvPr id="5" name="TextBox 4">
@@ -20388,7 +20380,7 @@
             </p:txBody>
           </p:sp>
         </mc:Choice>
-        <mc:Fallback>
+        <mc:Fallback xmlns="">
           <p:sp>
             <p:nvSpPr>
               <p:cNvPr id="5" name="TextBox 4">
@@ -20433,8 +20425,8 @@
           </p:sp>
         </mc:Fallback>
       </mc:AlternateContent>
-      <mc:AlternateContent xmlns:mc="http://schemas.openxmlformats.org/markup-compatibility/2006" xmlns:a14="http://schemas.microsoft.com/office/drawing/2010/main">
-        <mc:Choice Requires="a14">
+      <mc:AlternateContent xmlns:mc="http://schemas.openxmlformats.org/markup-compatibility/2006">
+        <mc:Choice xmlns:a14="http://schemas.microsoft.com/office/drawing/2010/main" Requires="a14">
           <p:sp>
             <p:nvSpPr>
               <p:cNvPr id="8" name="TextBox 7">
@@ -20465,7 +20457,6 @@
               <a:p>
                 <a:r>
                   <a:rPr lang="ru-RU" sz="1800" dirty="0">
-                    <a:latin typeface="Times New Roman" panose="02020603050405020304" pitchFamily="18" charset="0"/>
                     <a:cs typeface="Times New Roman" panose="02020603050405020304" pitchFamily="18" charset="0"/>
                   </a:rPr>
                   <a:t>где</a:t>
@@ -20477,78 +20468,58 @@
                 <a14:m>
                   <m:oMath xmlns:m="http://schemas.openxmlformats.org/officeDocument/2006/math">
                     <m:r>
-                      <a:rPr lang="ru-RU" sz="1600" i="1">
-                        <a:latin typeface="Cambria Math" panose="02040503050406030204" pitchFamily="18" charset="0"/>
-                      </a:rPr>
+                      <a:rPr lang="ru-RU" sz="1600" i="1"/>
                       <m:t>𝑢</m:t>
                     </m:r>
                     <m:r>
-                      <a:rPr lang="ru-RU" sz="1600" i="1">
-                        <a:latin typeface="Cambria Math" panose="02040503050406030204" pitchFamily="18" charset="0"/>
-                      </a:rPr>
+                      <a:rPr lang="ru-RU" sz="1600" i="1"/>
                       <m:t>=</m:t>
                     </m:r>
                     <m:d>
                       <m:dPr>
                         <m:ctrlPr>
-                          <a:rPr lang="ru-RU" sz="1600" i="1">
-                            <a:latin typeface="Cambria Math" panose="02040503050406030204" pitchFamily="18" charset="0"/>
-                          </a:rPr>
+                          <a:rPr lang="ru-RU" sz="1600" i="1"/>
                         </m:ctrlPr>
                       </m:dPr>
                       <m:e>
                         <m:sSub>
                           <m:sSubPr>
                             <m:ctrlPr>
-                              <a:rPr lang="ru-RU" sz="1600" i="1">
-                                <a:latin typeface="Cambria Math" panose="02040503050406030204" pitchFamily="18" charset="0"/>
-                              </a:rPr>
+                              <a:rPr lang="ru-RU" sz="1600" i="1"/>
                             </m:ctrlPr>
                           </m:sSubPr>
                           <m:e>
                             <m:r>
-                              <a:rPr lang="ru-RU" sz="1600" i="1">
-                                <a:latin typeface="Cambria Math" panose="02040503050406030204" pitchFamily="18" charset="0"/>
-                              </a:rPr>
+                              <a:rPr lang="ru-RU" sz="1600" i="1"/>
                               <m:t>𝑢</m:t>
                             </m:r>
                           </m:e>
                           <m:sub>
                             <m:r>
-                              <a:rPr lang="ru-RU" sz="1600" i="1">
-                                <a:latin typeface="Cambria Math" panose="02040503050406030204" pitchFamily="18" charset="0"/>
-                              </a:rPr>
+                              <a:rPr lang="ru-RU" sz="1600" i="1"/>
                               <m:t>1</m:t>
                             </m:r>
                           </m:sub>
                         </m:sSub>
                         <m:r>
-                          <a:rPr lang="ru-RU" sz="1600" i="1">
-                            <a:latin typeface="Cambria Math" panose="02040503050406030204" pitchFamily="18" charset="0"/>
-                          </a:rPr>
+                          <a:rPr lang="ru-RU" sz="1600" i="1"/>
                           <m:t>,</m:t>
                         </m:r>
                         <m:sSub>
                           <m:sSubPr>
                             <m:ctrlPr>
-                              <a:rPr lang="ru-RU" sz="1600" i="1">
-                                <a:latin typeface="Cambria Math" panose="02040503050406030204" pitchFamily="18" charset="0"/>
-                              </a:rPr>
+                              <a:rPr lang="ru-RU" sz="1600" i="1"/>
                             </m:ctrlPr>
                           </m:sSubPr>
                           <m:e>
                             <m:r>
-                              <a:rPr lang="ru-RU" sz="1600" i="1">
-                                <a:latin typeface="Cambria Math" panose="02040503050406030204" pitchFamily="18" charset="0"/>
-                              </a:rPr>
+                              <a:rPr lang="ru-RU" sz="1600" i="1"/>
                               <m:t>𝑢</m:t>
                             </m:r>
                           </m:e>
                           <m:sub>
                             <m:r>
-                              <a:rPr lang="ru-RU" sz="1600" i="1">
-                                <a:latin typeface="Cambria Math" panose="02040503050406030204" pitchFamily="18" charset="0"/>
-                              </a:rPr>
+                              <a:rPr lang="ru-RU" sz="1600" i="1"/>
                               <m:t>2</m:t>
                             </m:r>
                           </m:sub>
@@ -20567,7 +20538,6 @@
                 </a:r>
                 <a:r>
                   <a:rPr lang="ru-RU" sz="1800" dirty="0">
-                    <a:latin typeface="Times New Roman" panose="02020603050405020304" pitchFamily="18" charset="0"/>
                     <a:cs typeface="Times New Roman" panose="02020603050405020304" pitchFamily="18" charset="0"/>
                   </a:rPr>
                   <a:t>вектор скоростей</a:t>
@@ -20579,9 +20549,7 @@
                 <a14:m>
                   <m:oMath xmlns:m="http://schemas.openxmlformats.org/officeDocument/2006/math">
                     <m:r>
-                      <a:rPr lang="ru-RU" sz="1600" i="1">
-                        <a:latin typeface="Cambria Math" panose="02040503050406030204" pitchFamily="18" charset="0"/>
-                      </a:rPr>
+                      <a:rPr lang="ru-RU" sz="1600" i="1"/>
                       <m:t>𝑝</m:t>
                     </m:r>
                   </m:oMath>
@@ -20592,35 +20560,85 @@
                 </a:r>
                 <a:r>
                   <a:rPr lang="ru-RU" sz="1800" dirty="0">
-                    <a:latin typeface="Times New Roman" panose="02020603050405020304" pitchFamily="18" charset="0"/>
                     <a:cs typeface="Times New Roman" panose="02020603050405020304" pitchFamily="18" charset="0"/>
                   </a:rPr>
                   <a:t>давление</a:t>
                 </a:r>
                 <a:r>
-                  <a:rPr lang="ru-RU" sz="1800" dirty="0"/>
+                  <a:rPr lang="ru-RU" dirty="0"/>
                   <a:t>, </a:t>
                 </a:r>
                 <a14:m>
                   <m:oMath xmlns:m="http://schemas.openxmlformats.org/officeDocument/2006/math">
                     <m:r>
-                      <a:rPr lang="en-US" sz="1600" i="1">
-                        <a:latin typeface="Cambria Math" panose="02040503050406030204" pitchFamily="18" charset="0"/>
-                      </a:rPr>
+                      <a:rPr lang="en-US" i="1"/>
                       <m:t>𝑣</m:t>
                     </m:r>
+                    <m:r>
+                      <a:rPr lang="ru-RU" i="1"/>
+                      <m:t>=</m:t>
+                    </m:r>
+                    <m:d>
+                      <m:dPr>
+                        <m:ctrlPr>
+                          <a:rPr lang="ru-RU" i="1"/>
+                        </m:ctrlPr>
+                      </m:dPr>
+                      <m:e>
+                        <m:sSub>
+                          <m:sSubPr>
+                            <m:ctrlPr>
+                              <a:rPr lang="ru-RU" i="1"/>
+                            </m:ctrlPr>
+                          </m:sSubPr>
+                          <m:e>
+                            <m:r>
+                              <a:rPr lang="en-US" i="1"/>
+                              <m:t>𝑣</m:t>
+                            </m:r>
+                          </m:e>
+                          <m:sub>
+                            <m:r>
+                              <a:rPr lang="ru-RU" i="1"/>
+                              <m:t>1</m:t>
+                            </m:r>
+                          </m:sub>
+                        </m:sSub>
+                        <m:r>
+                          <a:rPr lang="ru-RU" i="1"/>
+                          <m:t>,</m:t>
+                        </m:r>
+                        <m:sSub>
+                          <m:sSubPr>
+                            <m:ctrlPr>
+                              <a:rPr lang="ru-RU" i="1"/>
+                            </m:ctrlPr>
+                          </m:sSubPr>
+                          <m:e>
+                            <m:r>
+                              <a:rPr lang="ru-RU" i="1"/>
+                              <m:t>𝑣</m:t>
+                            </m:r>
+                          </m:e>
+                          <m:sub>
+                            <m:r>
+                              <a:rPr lang="ru-RU" i="1"/>
+                              <m:t>2</m:t>
+                            </m:r>
+                          </m:sub>
+                        </m:sSub>
+                      </m:e>
+                    </m:d>
                   </m:oMath>
                 </a14:m>
                 <a:r>
-                  <a:rPr lang="ru-RU" sz="1800" dirty="0"/>
+                  <a:rPr lang="ru-RU" dirty="0"/>
                   <a:t>, </a:t>
                 </a:r>
                 <a14:m>
                   <m:oMath xmlns:m="http://schemas.openxmlformats.org/officeDocument/2006/math">
                     <m:r>
-                      <a:rPr lang="en-US" sz="1600" i="1">
-                        <a:latin typeface="Cambria Math" panose="02040503050406030204" pitchFamily="18" charset="0"/>
-                      </a:rPr>
+                      <a:rPr lang="en-US" sz="1600" i="1"/>
                       <m:t>𝑞</m:t>
                     </m:r>
                   </m:oMath>
@@ -20631,7 +20649,6 @@
                 </a:r>
                 <a:r>
                   <a:rPr lang="ru-RU" sz="1800" dirty="0">
-                    <a:latin typeface="Times New Roman" panose="02020603050405020304" pitchFamily="18" charset="0"/>
                     <a:cs typeface="Times New Roman" panose="02020603050405020304" pitchFamily="18" charset="0"/>
                   </a:rPr>
                   <a:t>тестовые функции</a:t>
@@ -20647,7 +20664,7 @@
             </p:txBody>
           </p:sp>
         </mc:Choice>
-        <mc:Fallback xmlns="">
+        <mc:Fallback>
           <p:sp>
             <p:nvSpPr>
               <p:cNvPr id="8" name="TextBox 7">
@@ -20673,7 +20690,7 @@
               <a:blipFill>
                 <a:blip r:embed="rId5"/>
                 <a:stretch>
-                  <a:fillRect l="-442" t="-6604"/>
+                  <a:fillRect l="-442" t="-5660"/>
                 </a:stretch>
               </a:blipFill>
             </p:spPr>
